--- a/catapult_hls/lab_catapult_workbook.pptx
+++ b/catapult_hls/lab_catapult_workbook.pptx
@@ -5,7 +5,7 @@
     <p:sldMasterId id="2147483648" r:id="rId1"/>
   </p:sldMasterIdLst>
   <p:notesMasterIdLst>
-    <p:notesMasterId r:id="rId17"/>
+    <p:notesMasterId r:id="rId18"/>
   </p:notesMasterIdLst>
   <p:sldIdLst>
     <p:sldId id="259" r:id="rId2"/>
@@ -21,8 +21,9 @@
     <p:sldId id="366" r:id="rId12"/>
     <p:sldId id="367" r:id="rId13"/>
     <p:sldId id="368" r:id="rId14"/>
-    <p:sldId id="369" r:id="rId15"/>
-    <p:sldId id="370" r:id="rId16"/>
+    <p:sldId id="371" r:id="rId15"/>
+    <p:sldId id="369" r:id="rId16"/>
+    <p:sldId id="370" r:id="rId17"/>
   </p:sldIdLst>
   <p:sldSz cx="12192000" cy="6858000"/>
   <p:notesSz cx="6858000" cy="9144000"/>
@@ -214,7 +215,7 @@
           <a:p>
             <a:fld id="{80C38B47-C3B7-8443-A58D-8B22D7D22AE0}" type="datetimeFigureOut">
               <a:rPr lang="en-US" smtClean="0"/>
-              <a:t>2/20/2024</a:t>
+              <a:t>2/29/2024</a:t>
             </a:fld>
             <a:endParaRPr lang="en-US"/>
           </a:p>
@@ -644,7 +645,7 @@
           <a:p>
             <a:fld id="{7A4E0488-0F40-9645-8EBB-4836F989A1A3}" type="datetimeFigureOut">
               <a:rPr lang="en-US" smtClean="0"/>
-              <a:t>2/20/2024</a:t>
+              <a:t>2/29/2024</a:t>
             </a:fld>
             <a:endParaRPr lang="en-US"/>
           </a:p>
@@ -855,7 +856,7 @@
           <a:p>
             <a:fld id="{7A4E0488-0F40-9645-8EBB-4836F989A1A3}" type="datetimeFigureOut">
               <a:rPr lang="en-US" smtClean="0"/>
-              <a:t>2/20/2024</a:t>
+              <a:t>2/29/2024</a:t>
             </a:fld>
             <a:endParaRPr lang="en-US"/>
           </a:p>
@@ -1100,7 +1101,7 @@
           <a:p>
             <a:fld id="{7A4E0488-0F40-9645-8EBB-4836F989A1A3}" type="datetimeFigureOut">
               <a:rPr lang="en-US" smtClean="0"/>
-              <a:t>2/20/2024</a:t>
+              <a:t>2/29/2024</a:t>
             </a:fld>
             <a:endParaRPr lang="en-US"/>
           </a:p>
@@ -1382,7 +1383,7 @@
           <a:p>
             <a:fld id="{7A4E0488-0F40-9645-8EBB-4836F989A1A3}" type="datetimeFigureOut">
               <a:rPr lang="en-US" smtClean="0"/>
-              <a:t>2/20/2024</a:t>
+              <a:t>2/29/2024</a:t>
             </a:fld>
             <a:endParaRPr lang="en-US"/>
           </a:p>
@@ -1739,7 +1740,7 @@
           <a:p>
             <a:fld id="{7A4E0488-0F40-9645-8EBB-4836F989A1A3}" type="datetimeFigureOut">
               <a:rPr lang="en-US" smtClean="0"/>
-              <a:t>2/20/2024</a:t>
+              <a:t>2/29/2024</a:t>
             </a:fld>
             <a:endParaRPr lang="en-US"/>
           </a:p>
@@ -2154,7 +2155,7 @@
           <a:p>
             <a:fld id="{7A4E0488-0F40-9645-8EBB-4836F989A1A3}" type="datetimeFigureOut">
               <a:rPr lang="en-US" smtClean="0"/>
-              <a:t>2/20/2024</a:t>
+              <a:t>2/29/2024</a:t>
             </a:fld>
             <a:endParaRPr lang="en-US"/>
           </a:p>
@@ -2303,7 +2304,7 @@
           <a:p>
             <a:fld id="{7A4E0488-0F40-9645-8EBB-4836F989A1A3}" type="datetimeFigureOut">
               <a:rPr lang="en-US" smtClean="0"/>
-              <a:t>2/20/2024</a:t>
+              <a:t>2/29/2024</a:t>
             </a:fld>
             <a:endParaRPr lang="en-US"/>
           </a:p>
@@ -2416,7 +2417,7 @@
           <a:p>
             <a:fld id="{7A4E0488-0F40-9645-8EBB-4836F989A1A3}" type="datetimeFigureOut">
               <a:rPr lang="en-US" smtClean="0"/>
-              <a:t>2/20/2024</a:t>
+              <a:t>2/29/2024</a:t>
             </a:fld>
             <a:endParaRPr lang="en-US"/>
           </a:p>
@@ -2730,7 +2731,7 @@
           <a:p>
             <a:fld id="{7A4E0488-0F40-9645-8EBB-4836F989A1A3}" type="datetimeFigureOut">
               <a:rPr lang="en-US" smtClean="0"/>
-              <a:t>2/20/2024</a:t>
+              <a:t>2/29/2024</a:t>
             </a:fld>
             <a:endParaRPr lang="en-US"/>
           </a:p>
@@ -3021,7 +3022,7 @@
           <a:p>
             <a:fld id="{7A4E0488-0F40-9645-8EBB-4836F989A1A3}" type="datetimeFigureOut">
               <a:rPr lang="en-US" smtClean="0"/>
-              <a:t>2/20/2024</a:t>
+              <a:t>2/29/2024</a:t>
             </a:fld>
             <a:endParaRPr lang="en-US"/>
           </a:p>
@@ -4056,7 +4057,7 @@
         </p:blipFill>
         <p:spPr>
           <a:xfrm>
-            <a:off x="1386001" y="971273"/>
+            <a:off x="1386001" y="924718"/>
             <a:ext cx="9419997" cy="5008563"/>
           </a:xfrm>
           <a:prstGeom prst="rect">
@@ -4281,7 +4282,7 @@
           <p:cNvPr id="2" name="標題 1">
             <a:extLst>
               <a:ext uri="{FF2B5EF4-FFF2-40B4-BE49-F238E27FC236}">
-                <a16:creationId xmlns:a16="http://schemas.microsoft.com/office/drawing/2014/main" id="{5E7FBFE7-8D58-48BD-AEA9-49176E8DAC8E}"/>
+                <a16:creationId xmlns:a16="http://schemas.microsoft.com/office/drawing/2014/main" id="{11BB4311-BC8F-4D8F-BE36-C9E03EA3EC39}"/>
               </a:ext>
             </a:extLst>
           </p:cNvPr>
@@ -4298,101 +4299,158 @@
           <a:lstStyle/>
           <a:p>
             <a:r>
+              <a:rPr lang="en-US" altLang="zh-TW" dirty="0"/>
+              <a:t>Provided Content</a:t>
+            </a:r>
+            <a:endParaRPr lang="zh-TW" altLang="en-US" dirty="0"/>
+          </a:p>
+        </p:txBody>
+      </p:sp>
+      <p:sp>
+        <p:nvSpPr>
+          <p:cNvPr id="3" name="內容版面配置區 2">
+            <a:extLst>
+              <a:ext uri="{FF2B5EF4-FFF2-40B4-BE49-F238E27FC236}">
+                <a16:creationId xmlns:a16="http://schemas.microsoft.com/office/drawing/2014/main" id="{59C9D82F-A7A9-4D92-836A-84B3D5A44D9C}"/>
+              </a:ext>
+            </a:extLst>
+          </p:cNvPr>
+          <p:cNvSpPr>
+            <a:spLocks noGrp="1"/>
+          </p:cNvSpPr>
+          <p:nvPr>
+            <p:ph idx="1"/>
+          </p:nvPr>
+        </p:nvSpPr>
+        <p:spPr/>
+        <p:txBody>
+          <a:bodyPr/>
+          <a:lstStyle/>
+          <a:p>
+            <a:r>
+              <a:rPr lang="en-US" altLang="zh-TW" dirty="0"/>
+              <a:t>All content of lab1_fir(walkthrough, </a:t>
+            </a:r>
+            <a:r>
+              <a:rPr lang="en-US" altLang="zh-TW" dirty="0" err="1"/>
+              <a:t>mem_ifc</a:t>
+            </a:r>
+            <a:r>
+              <a:rPr lang="en-US" altLang="zh-TW" dirty="0"/>
+              <a:t>, </a:t>
+            </a:r>
+            <a:r>
+              <a:rPr lang="en-US" altLang="zh-TW" dirty="0" err="1"/>
+              <a:t>multi_blks</a:t>
+            </a:r>
+            <a:r>
+              <a:rPr lang="en-US" altLang="zh-TW" dirty="0"/>
+              <a:t>) </a:t>
+            </a:r>
+          </a:p>
+          <a:p>
+            <a:r>
+              <a:rPr lang="en-US" altLang="zh-TW" dirty="0"/>
+              <a:t>lab2_edgedetec_fsic</a:t>
+            </a:r>
+          </a:p>
+          <a:p>
+            <a:pPr lvl="1"/>
+            <a:r>
+              <a:rPr lang="en-US" altLang="zh-TW" dirty="0">
+                <a:solidFill>
+                  <a:srgbClr val="FF0000"/>
+                </a:solidFill>
+              </a:rPr>
+              <a:t>All content </a:t>
+            </a:r>
+            <a:r>
+              <a:rPr lang="en-US" altLang="zh-TW" dirty="0"/>
+              <a:t>of 01_edgedetect</a:t>
+            </a:r>
+          </a:p>
+          <a:p>
+            <a:pPr lvl="1"/>
+            <a:r>
+              <a:rPr lang="en-US" altLang="zh-TW" dirty="0"/>
+              <a:t>Only provide the </a:t>
+            </a:r>
+            <a:r>
+              <a:rPr lang="en-US" altLang="zh-TW" dirty="0">
+                <a:solidFill>
+                  <a:srgbClr val="FF0000"/>
+                </a:solidFill>
+              </a:rPr>
+              <a:t>testbench</a:t>
+            </a:r>
+            <a:r>
+              <a:rPr lang="en-US" altLang="zh-TW" dirty="0"/>
+              <a:t> of 02_edgedetect_fsic,</a:t>
+            </a:r>
+            <a:r>
+              <a:rPr lang="zh-TW" altLang="en-US" dirty="0"/>
+              <a:t> </a:t>
+            </a:r>
+            <a:r>
+              <a:rPr lang="en-US" altLang="zh-TW" dirty="0"/>
+              <a:t>you</a:t>
+            </a:r>
+            <a:r>
+              <a:rPr lang="zh-TW" altLang="en-US" dirty="0"/>
+              <a:t> </a:t>
+            </a:r>
+            <a:r>
+              <a:rPr lang="en-US" altLang="zh-TW" dirty="0"/>
+              <a:t>need</a:t>
+            </a:r>
+            <a:r>
+              <a:rPr lang="zh-TW" altLang="en-US" dirty="0"/>
+              <a:t> </a:t>
+            </a:r>
+            <a:r>
+              <a:rPr lang="en-US" altLang="zh-TW" dirty="0"/>
+              <a:t>to</a:t>
+            </a:r>
+            <a:r>
+              <a:rPr lang="zh-TW" altLang="en-US" dirty="0"/>
+              <a:t> </a:t>
+            </a:r>
+            <a:r>
+              <a:rPr lang="en-US" altLang="zh-TW" dirty="0"/>
+              <a:t>modify the code of 01_edgedetect to satisfy specification.</a:t>
+            </a:r>
+          </a:p>
+          <a:p>
+            <a:pPr lvl="1"/>
+            <a:r>
+              <a:rPr lang="en-US" altLang="zh-TW" dirty="0"/>
+              <a:t>03_fsic_prj, after you generate the </a:t>
+            </a:r>
+            <a:r>
+              <a:rPr lang="en-US" altLang="zh-TW" dirty="0" err="1"/>
+              <a:t>rtl</a:t>
+            </a:r>
+            <a:r>
+              <a:rPr lang="en-US" altLang="zh-TW" dirty="0"/>
+              <a:t> design of 02_edgedetect_fsic, integrate it to FSIC and save all design into this folder.</a:t>
+            </a:r>
+          </a:p>
+          <a:p>
+            <a:r>
               <a:rPr lang="en-US" altLang="zh-TW" b="1" dirty="0"/>
-              <a:t>Submission</a:t>
-            </a:r>
-            <a:endParaRPr lang="zh-TW" altLang="en-US" b="1" dirty="0"/>
-          </a:p>
-        </p:txBody>
-      </p:sp>
-      <p:sp>
-        <p:nvSpPr>
-          <p:cNvPr id="3" name="內容版面配置區 2">
-            <a:extLst>
-              <a:ext uri="{FF2B5EF4-FFF2-40B4-BE49-F238E27FC236}">
-                <a16:creationId xmlns:a16="http://schemas.microsoft.com/office/drawing/2014/main" id="{B3CF14F2-C8BA-413B-A98F-D862B22808E2}"/>
-              </a:ext>
-            </a:extLst>
-          </p:cNvPr>
-          <p:cNvSpPr>
-            <a:spLocks noGrp="1"/>
-          </p:cNvSpPr>
-          <p:nvPr>
-            <p:ph idx="1"/>
-          </p:nvPr>
-        </p:nvSpPr>
-        <p:spPr/>
-        <p:txBody>
-          <a:bodyPr/>
-          <a:lstStyle/>
-          <a:p>
-            <a:pPr fontAlgn="base"/>
-            <a:r>
-              <a:rPr lang="en-US" altLang="zh-TW" b="1" dirty="0"/>
-              <a:t>Please submit the following files to {NTHU </a:t>
-            </a:r>
-            <a:r>
-              <a:rPr lang="en-US" altLang="zh-TW" b="1" dirty="0" err="1"/>
-              <a:t>eeclass</a:t>
-            </a:r>
-            <a:r>
-              <a:rPr lang="en-US" altLang="zh-TW" b="1" dirty="0"/>
-              <a:t> / NTU COOL / NYCU E3} </a:t>
-            </a:r>
-          </a:p>
-          <a:p>
-            <a:pPr lvl="1" fontAlgn="base"/>
-            <a:r>
-              <a:rPr lang="en-US" altLang="zh-TW" b="1" dirty="0" err="1"/>
-              <a:t>hls</a:t>
-            </a:r>
-            <a:r>
-              <a:rPr lang="en-US" altLang="zh-TW" b="1" dirty="0"/>
-              <a:t> code</a:t>
-            </a:r>
-          </a:p>
-          <a:p>
-            <a:pPr lvl="1" fontAlgn="base"/>
-            <a:r>
-              <a:rPr lang="en-US" altLang="zh-TW" b="1" dirty="0"/>
-              <a:t>synthesis hardware design</a:t>
-            </a:r>
-          </a:p>
-          <a:p>
-            <a:pPr lvl="1" fontAlgn="base"/>
-            <a:r>
-              <a:rPr lang="en-US" altLang="zh-TW" b="1" dirty="0" err="1"/>
-              <a:t>rtl</a:t>
-            </a:r>
-            <a:r>
-              <a:rPr lang="en-US" altLang="zh-TW" b="1" dirty="0"/>
-              <a:t> design and testbench (</a:t>
-            </a:r>
-            <a:r>
-              <a:rPr lang="en-US" altLang="zh-TW" b="1" dirty="0" err="1"/>
-              <a:t>fsic</a:t>
-            </a:r>
-            <a:r>
-              <a:rPr lang="en-US" altLang="zh-TW" b="1" dirty="0"/>
-              <a:t>)</a:t>
-            </a:r>
-          </a:p>
-          <a:p>
-            <a:pPr lvl="1" fontAlgn="base"/>
-            <a:r>
-              <a:rPr lang="en-US" altLang="zh-TW" b="1" dirty="0"/>
-              <a:t>report_StudentID.pdf</a:t>
-            </a:r>
-          </a:p>
-          <a:p>
-            <a:pPr lvl="1" fontAlgn="base"/>
+              <a:t>Note: This lab didn’t need to do synthesis, only need </a:t>
+            </a:r>
             <a:r>
               <a:rPr lang="en-US" altLang="zh-TW" b="1" dirty="0">
                 <a:solidFill>
                   <a:srgbClr val="FF0000"/>
                 </a:solidFill>
               </a:rPr>
-              <a:t>Github_link.txt</a:t>
+              <a:t>simulation</a:t>
+            </a:r>
+            <a:r>
+              <a:rPr lang="en-US" altLang="zh-TW" b="1" dirty="0"/>
+              <a:t>.</a:t>
             </a:r>
           </a:p>
         </p:txBody>
@@ -4400,7 +4458,7 @@
     </p:spTree>
     <p:extLst>
       <p:ext uri="{BB962C8B-B14F-4D97-AF65-F5344CB8AC3E}">
-        <p14:creationId xmlns:p14="http://schemas.microsoft.com/office/powerpoint/2010/main" val="3667964837"/>
+        <p14:creationId xmlns:p14="http://schemas.microsoft.com/office/powerpoint/2010/main" val="2290982800"/>
       </p:ext>
     </p:extLst>
   </p:cSld>
@@ -4432,6 +4490,275 @@
           <p:cNvPr id="2" name="標題 1">
             <a:extLst>
               <a:ext uri="{FF2B5EF4-FFF2-40B4-BE49-F238E27FC236}">
+                <a16:creationId xmlns:a16="http://schemas.microsoft.com/office/drawing/2014/main" id="{5E7FBFE7-8D58-48BD-AEA9-49176E8DAC8E}"/>
+              </a:ext>
+            </a:extLst>
+          </p:cNvPr>
+          <p:cNvSpPr>
+            <a:spLocks noGrp="1"/>
+          </p:cNvSpPr>
+          <p:nvPr>
+            <p:ph type="title"/>
+          </p:nvPr>
+        </p:nvSpPr>
+        <p:spPr/>
+        <p:txBody>
+          <a:bodyPr/>
+          <a:lstStyle/>
+          <a:p>
+            <a:r>
+              <a:rPr lang="en-US" altLang="zh-TW" b="1" dirty="0"/>
+              <a:t>Submission</a:t>
+            </a:r>
+            <a:endParaRPr lang="zh-TW" altLang="en-US" b="1" dirty="0"/>
+          </a:p>
+        </p:txBody>
+      </p:sp>
+      <p:sp>
+        <p:nvSpPr>
+          <p:cNvPr id="3" name="內容版面配置區 2">
+            <a:extLst>
+              <a:ext uri="{FF2B5EF4-FFF2-40B4-BE49-F238E27FC236}">
+                <a16:creationId xmlns:a16="http://schemas.microsoft.com/office/drawing/2014/main" id="{B3CF14F2-C8BA-413B-A98F-D862B22808E2}"/>
+              </a:ext>
+            </a:extLst>
+          </p:cNvPr>
+          <p:cNvSpPr>
+            <a:spLocks noGrp="1"/>
+          </p:cNvSpPr>
+          <p:nvPr>
+            <p:ph idx="1"/>
+          </p:nvPr>
+        </p:nvSpPr>
+        <p:spPr/>
+        <p:txBody>
+          <a:bodyPr>
+            <a:normAutofit fontScale="92500"/>
+          </a:bodyPr>
+          <a:lstStyle/>
+          <a:p>
+            <a:pPr fontAlgn="base"/>
+            <a:r>
+              <a:rPr lang="en-US" altLang="zh-TW" b="1" dirty="0"/>
+              <a:t>Please submit the following files to {NTHU </a:t>
+            </a:r>
+            <a:r>
+              <a:rPr lang="en-US" altLang="zh-TW" b="1" dirty="0" err="1"/>
+              <a:t>eeclass</a:t>
+            </a:r>
+            <a:r>
+              <a:rPr lang="en-US" altLang="zh-TW" b="1" dirty="0"/>
+              <a:t> / NTU COOL / NYCU E3} </a:t>
+            </a:r>
+          </a:p>
+          <a:p>
+            <a:pPr lvl="1" fontAlgn="base"/>
+            <a:r>
+              <a:rPr lang="en-US" altLang="zh-TW" b="1" dirty="0" err="1"/>
+              <a:t>hls</a:t>
+            </a:r>
+            <a:r>
+              <a:rPr lang="en-US" altLang="zh-TW" b="1" dirty="0"/>
+              <a:t> code</a:t>
+            </a:r>
+            <a:r>
+              <a:rPr lang="zh-TW" altLang="en-US" b="1" dirty="0"/>
+              <a:t> </a:t>
+            </a:r>
+            <a:r>
+              <a:rPr lang="en-US" altLang="zh-TW" b="1" dirty="0"/>
+              <a:t>of 02_edgedetect_fsic</a:t>
+            </a:r>
+          </a:p>
+          <a:p>
+            <a:pPr lvl="1" fontAlgn="base"/>
+            <a:r>
+              <a:rPr lang="en-US" altLang="zh-TW" b="1" dirty="0"/>
+              <a:t>Testbench (no matter you modify it or not)</a:t>
+            </a:r>
+          </a:p>
+          <a:p>
+            <a:pPr lvl="1" fontAlgn="base"/>
+            <a:r>
+              <a:rPr lang="en-US" altLang="zh-TW" b="1" dirty="0"/>
+              <a:t>Synthesis report of hardware design </a:t>
+            </a:r>
+          </a:p>
+          <a:p>
+            <a:pPr lvl="2" fontAlgn="base"/>
+            <a:r>
+              <a:rPr lang="en-US" altLang="zh-TW" b="1" dirty="0"/>
+              <a:t>Screen shot of table in catapult (including general, run time, memory usage, timing, and area score)</a:t>
+            </a:r>
+          </a:p>
+          <a:p>
+            <a:pPr lvl="2" fontAlgn="base"/>
+            <a:r>
+              <a:rPr lang="en-US" altLang="zh-TW" b="1" dirty="0"/>
+              <a:t>The file of </a:t>
+            </a:r>
+            <a:r>
+              <a:rPr lang="en-US" altLang="zh-TW" b="1" dirty="0" err="1"/>
+              <a:t>rtl</a:t>
+            </a:r>
+            <a:r>
+              <a:rPr lang="en-US" altLang="zh-TW" b="1" dirty="0"/>
+              <a:t> report (</a:t>
+            </a:r>
+            <a:r>
+              <a:rPr lang="en-US" altLang="zh-TW" b="1" dirty="0" err="1"/>
+              <a:t>rtl.rpt</a:t>
+            </a:r>
+            <a:r>
+              <a:rPr lang="en-US" altLang="zh-TW" b="1" dirty="0"/>
+              <a:t>)</a:t>
+            </a:r>
+          </a:p>
+          <a:p>
+            <a:pPr lvl="1" fontAlgn="base"/>
+            <a:r>
+              <a:rPr lang="en-US" altLang="zh-TW" b="1" dirty="0" err="1"/>
+              <a:t>Questasim</a:t>
+            </a:r>
+            <a:r>
+              <a:rPr lang="en-US" altLang="zh-TW" b="1" dirty="0"/>
+              <a:t> simulation result</a:t>
+            </a:r>
+          </a:p>
+          <a:p>
+            <a:pPr lvl="1" fontAlgn="base"/>
+            <a:r>
+              <a:rPr lang="en-US" altLang="zh-TW" b="1" dirty="0" err="1"/>
+              <a:t>tcl</a:t>
+            </a:r>
+            <a:r>
+              <a:rPr lang="en-US" altLang="zh-TW" b="1" dirty="0"/>
+              <a:t> file generate by catapult (</a:t>
+            </a:r>
+            <a:r>
+              <a:rPr lang="en-US" altLang="zh-TW" b="1" dirty="0" err="1"/>
+              <a:t>directives.tcl</a:t>
+            </a:r>
+            <a:r>
+              <a:rPr lang="en-US" altLang="zh-TW" b="1" dirty="0"/>
+              <a:t>)</a:t>
+            </a:r>
+          </a:p>
+          <a:p>
+            <a:pPr lvl="1" fontAlgn="base"/>
+            <a:r>
+              <a:rPr lang="en-US" altLang="zh-TW" b="1" dirty="0"/>
+              <a:t>Integrate to FSIC (</a:t>
+            </a:r>
+            <a:r>
+              <a:rPr lang="en-US" altLang="zh-TW" b="1" dirty="0" err="1"/>
+              <a:t>rtl</a:t>
+            </a:r>
+            <a:r>
+              <a:rPr lang="en-US" altLang="zh-TW" b="1" dirty="0"/>
+              <a:t> design and testbench, we can use these file to execute simulation)</a:t>
+            </a:r>
+          </a:p>
+          <a:p>
+            <a:pPr lvl="1" fontAlgn="base"/>
+            <a:r>
+              <a:rPr lang="en-US" altLang="zh-TW" b="1" dirty="0"/>
+              <a:t>Simulation result of FSIC</a:t>
+            </a:r>
+          </a:p>
+          <a:p>
+            <a:pPr lvl="1" fontAlgn="base"/>
+            <a:r>
+              <a:rPr lang="en-US" altLang="zh-TW" b="1" dirty="0"/>
+              <a:t>report_StudentID.pdf</a:t>
+            </a:r>
+          </a:p>
+          <a:p>
+            <a:pPr lvl="1" fontAlgn="base"/>
+            <a:r>
+              <a:rPr lang="en-US" altLang="zh-TW" b="1" dirty="0">
+                <a:solidFill>
+                  <a:srgbClr val="FF0000"/>
+                </a:solidFill>
+              </a:rPr>
+              <a:t>Github_link.txt</a:t>
+            </a:r>
+          </a:p>
+        </p:txBody>
+      </p:sp>
+      <p:sp>
+        <p:nvSpPr>
+          <p:cNvPr id="4" name="矩形 3">
+            <a:extLst>
+              <a:ext uri="{FF2B5EF4-FFF2-40B4-BE49-F238E27FC236}">
+                <a16:creationId xmlns:a16="http://schemas.microsoft.com/office/drawing/2014/main" id="{311FAE7D-9F0B-4DDF-BDE6-67DFD077B3B5}"/>
+              </a:ext>
+            </a:extLst>
+          </p:cNvPr>
+          <p:cNvSpPr/>
+          <p:nvPr/>
+        </p:nvSpPr>
+        <p:spPr>
+          <a:xfrm>
+            <a:off x="838200" y="5798856"/>
+            <a:ext cx="10515600" cy="369332"/>
+          </a:xfrm>
+          <a:prstGeom prst="rect">
+            <a:avLst/>
+          </a:prstGeom>
+        </p:spPr>
+        <p:txBody>
+          <a:bodyPr wrap="square">
+            <a:spAutoFit/>
+          </a:bodyPr>
+          <a:lstStyle/>
+          <a:p>
+            <a:r>
+              <a:rPr lang="en-US" altLang="zh-TW" b="1" dirty="0">
+                <a:solidFill>
+                  <a:srgbClr val="FF0000"/>
+                </a:solidFill>
+              </a:rPr>
+              <a:t>Note: Since the authorization of these lab content, don’t upload the file which is not mentioned above. </a:t>
+            </a:r>
+          </a:p>
+        </p:txBody>
+      </p:sp>
+    </p:spTree>
+    <p:extLst>
+      <p:ext uri="{BB962C8B-B14F-4D97-AF65-F5344CB8AC3E}">
+        <p14:creationId xmlns:p14="http://schemas.microsoft.com/office/powerpoint/2010/main" val="3667964837"/>
+      </p:ext>
+    </p:extLst>
+  </p:cSld>
+  <p:clrMapOvr>
+    <a:masterClrMapping/>
+  </p:clrMapOvr>
+</p:sld>
+</file>
+
+<file path=ppt/slides/slide16.xml><?xml version="1.0" encoding="utf-8"?>
+<p:sld xmlns:a="http://schemas.openxmlformats.org/drawingml/2006/main" xmlns:r="http://schemas.openxmlformats.org/officeDocument/2006/relationships" xmlns:p="http://schemas.openxmlformats.org/presentationml/2006/main">
+  <p:cSld>
+    <p:spTree>
+      <p:nvGrpSpPr>
+        <p:cNvPr id="1" name=""/>
+        <p:cNvGrpSpPr/>
+        <p:nvPr/>
+      </p:nvGrpSpPr>
+      <p:grpSpPr>
+        <a:xfrm>
+          <a:off x="0" y="0"/>
+          <a:ext cx="0" cy="0"/>
+          <a:chOff x="0" y="0"/>
+          <a:chExt cx="0" cy="0"/>
+        </a:xfrm>
+      </p:grpSpPr>
+      <p:sp>
+        <p:nvSpPr>
+          <p:cNvPr id="2" name="標題 1">
+            <a:extLst>
+              <a:ext uri="{FF2B5EF4-FFF2-40B4-BE49-F238E27FC236}">
                 <a16:creationId xmlns:a16="http://schemas.microsoft.com/office/drawing/2014/main" id="{A5C16284-1859-4267-B6E9-0D905FA69BD0}"/>
               </a:ext>
             </a:extLst>
@@ -4478,33 +4805,28 @@
           <a:lstStyle/>
           <a:p>
             <a:r>
-              <a:rPr lang="en-US" altLang="zh-TW" dirty="0"/>
+              <a:rPr lang="en-US" altLang="zh-TW" b="1" dirty="0"/>
               <a:t>How you design your work</a:t>
             </a:r>
           </a:p>
           <a:p>
             <a:r>
-              <a:rPr lang="en-US" altLang="zh-TW" dirty="0"/>
-              <a:t>What’s the test result of catapult design(C design checker</a:t>
-            </a:r>
-            <a:r>
-              <a:rPr lang="en-US" altLang="zh-TW"/>
-              <a:t>, testbench)</a:t>
-            </a:r>
-            <a:endParaRPr lang="en-US" altLang="zh-TW" dirty="0"/>
-          </a:p>
-          <a:p>
-            <a:r>
-              <a:rPr lang="en-US" altLang="zh-TW" dirty="0"/>
+              <a:rPr lang="en-US" altLang="zh-TW" b="1" dirty="0"/>
+              <a:t>What’s the test result of catapult design(C design checker, testbench)</a:t>
+            </a:r>
+          </a:p>
+          <a:p>
+            <a:r>
+              <a:rPr lang="en-US" altLang="zh-TW" b="1" dirty="0"/>
               <a:t>How to integrate your design in FSIC</a:t>
             </a:r>
           </a:p>
           <a:p>
             <a:r>
-              <a:rPr lang="en-US" altLang="zh-TW" dirty="0"/>
+              <a:rPr lang="en-US" altLang="zh-TW" b="1" dirty="0"/>
               <a:t>What’s the simulation result of FSIC</a:t>
             </a:r>
-            <a:endParaRPr lang="zh-TW" altLang="en-US" dirty="0"/>
+            <a:endParaRPr lang="zh-TW" altLang="en-US" b="1" dirty="0"/>
           </a:p>
         </p:txBody>
       </p:sp>
@@ -5030,7 +5352,12 @@
             <p:ph type="title"/>
           </p:nvPr>
         </p:nvSpPr>
-        <p:spPr/>
+        <p:spPr>
+          <a:xfrm>
+            <a:off x="838199" y="185650"/>
+            <a:ext cx="10515600" cy="886884"/>
+          </a:xfrm>
+        </p:spPr>
         <p:txBody>
           <a:bodyPr/>
           <a:lstStyle/>
@@ -5067,7 +5394,7 @@
         </p:blipFill>
         <p:spPr>
           <a:xfrm>
-            <a:off x="3080916" y="1618997"/>
+            <a:off x="3080915" y="1618997"/>
             <a:ext cx="6030167" cy="3620005"/>
           </a:xfrm>
           <a:prstGeom prst="rect">
@@ -5354,7 +5681,7 @@
         </p:nvSpPr>
         <p:spPr>
           <a:xfrm>
-            <a:off x="838200" y="6304911"/>
+            <a:off x="1884013" y="6304911"/>
             <a:ext cx="8423973" cy="369332"/>
           </a:xfrm>
           <a:prstGeom prst="rect">
@@ -5428,8 +5755,12 @@
           <a:lstStyle/>
           <a:p>
             <a:r>
+              <a:rPr lang="en-US" altLang="zh-TW" u="sng" dirty="0"/>
+              <a:t>Modified top design in 02_edgedetect_fsic (for your reference</a:t>
+            </a:r>
+            <a:r>
               <a:rPr lang="en-US" altLang="zh-TW" dirty="0"/>
-              <a:t>Modified top design in 02_edgedetect_fsic (for your reference)</a:t>
+              <a:t>)</a:t>
             </a:r>
             <a:endParaRPr lang="zh-TW" altLang="en-US" dirty="0"/>
           </a:p>

--- a/catapult_hls/lab_catapult_workbook.pptx
+++ b/catapult_hls/lab_catapult_workbook.pptx
@@ -4423,6 +4423,40 @@
           <a:p>
             <a:pPr lvl="1"/>
             <a:r>
+              <a:rPr lang="en-US" altLang="zh-TW"/>
+              <a:t>crc32</a:t>
+            </a:r>
+            <a:r>
+              <a:rPr lang="en-US" altLang="zh-TW" dirty="0"/>
+              <a:t>.cpp can be accessed by </a:t>
+            </a:r>
+            <a:r>
+              <a:rPr lang="en-US" altLang="zh-TW" dirty="0" err="1"/>
+              <a:t>github</a:t>
+            </a:r>
+            <a:r>
+              <a:rPr lang="en-US" altLang="zh-TW" dirty="0"/>
+              <a:t>, which should be used in your design</a:t>
+            </a:r>
+          </a:p>
+          <a:p>
+            <a:pPr marL="457200" lvl="1" indent="0">
+              <a:buNone/>
+            </a:pPr>
+            <a:r>
+              <a:rPr lang="en-US" altLang="zh-TW" dirty="0">
+                <a:hlinkClick r:id="rId2"/>
+              </a:rPr>
+              <a:t>https://github.com/bol-edu/caravel-soc_fpga-lab/tree/main/catapult_hls</a:t>
+            </a:r>
+            <a:r>
+              <a:rPr lang="en-US" altLang="zh-TW" dirty="0"/>
+              <a:t> </a:t>
+            </a:r>
+          </a:p>
+          <a:p>
+            <a:pPr lvl="1"/>
+            <a:r>
               <a:rPr lang="en-US" altLang="zh-TW" dirty="0"/>
               <a:t>03_fsic_prj, after you generate the </a:t>
             </a:r>
@@ -4434,6 +4468,10 @@
               <a:rPr lang="en-US" altLang="zh-TW" dirty="0"/>
               <a:t> design of 02_edgedetect_fsic, integrate it to FSIC and save all design into this folder.</a:t>
             </a:r>
+          </a:p>
+          <a:p>
+            <a:pPr lvl="1"/>
+            <a:endParaRPr lang="en-US" altLang="zh-TW" dirty="0"/>
           </a:p>
           <a:p>
             <a:r>

--- a/catapult_hls/lab_catapult_workbook.pptx
+++ b/catapult_hls/lab_catapult_workbook.pptx
@@ -5,25 +5,27 @@
     <p:sldMasterId id="2147483648" r:id="rId1"/>
   </p:sldMasterIdLst>
   <p:notesMasterIdLst>
-    <p:notesMasterId r:id="rId18"/>
+    <p:notesMasterId r:id="rId20"/>
   </p:notesMasterIdLst>
   <p:sldIdLst>
     <p:sldId id="259" r:id="rId2"/>
     <p:sldId id="357" r:id="rId3"/>
     <p:sldId id="359" r:id="rId4"/>
     <p:sldId id="358" r:id="rId5"/>
-    <p:sldId id="361" r:id="rId6"/>
-    <p:sldId id="362" r:id="rId7"/>
-    <p:sldId id="365" r:id="rId8"/>
-    <p:sldId id="360" r:id="rId9"/>
-    <p:sldId id="363" r:id="rId10"/>
-    <p:sldId id="364" r:id="rId11"/>
-    <p:sldId id="366" r:id="rId12"/>
-    <p:sldId id="367" r:id="rId13"/>
-    <p:sldId id="368" r:id="rId14"/>
-    <p:sldId id="371" r:id="rId15"/>
-    <p:sldId id="369" r:id="rId16"/>
-    <p:sldId id="370" r:id="rId17"/>
+    <p:sldId id="372" r:id="rId6"/>
+    <p:sldId id="361" r:id="rId7"/>
+    <p:sldId id="362" r:id="rId8"/>
+    <p:sldId id="365" r:id="rId9"/>
+    <p:sldId id="373" r:id="rId10"/>
+    <p:sldId id="360" r:id="rId11"/>
+    <p:sldId id="363" r:id="rId12"/>
+    <p:sldId id="364" r:id="rId13"/>
+    <p:sldId id="366" r:id="rId14"/>
+    <p:sldId id="367" r:id="rId15"/>
+    <p:sldId id="368" r:id="rId16"/>
+    <p:sldId id="371" r:id="rId17"/>
+    <p:sldId id="369" r:id="rId18"/>
+    <p:sldId id="370" r:id="rId19"/>
   </p:sldIdLst>
   <p:sldSz cx="12192000" cy="6858000"/>
   <p:notesSz cx="6858000" cy="9144000"/>
@@ -215,7 +217,7 @@
           <a:p>
             <a:fld id="{80C38B47-C3B7-8443-A58D-8B22D7D22AE0}" type="datetimeFigureOut">
               <a:rPr lang="en-US" smtClean="0"/>
-              <a:t>2/29/2024</a:t>
+              <a:t>3/1/2024</a:t>
             </a:fld>
             <a:endParaRPr lang="en-US"/>
           </a:p>
@@ -645,7 +647,7 @@
           <a:p>
             <a:fld id="{7A4E0488-0F40-9645-8EBB-4836F989A1A3}" type="datetimeFigureOut">
               <a:rPr lang="en-US" smtClean="0"/>
-              <a:t>2/29/2024</a:t>
+              <a:t>3/1/2024</a:t>
             </a:fld>
             <a:endParaRPr lang="en-US"/>
           </a:p>
@@ -856,7 +858,7 @@
           <a:p>
             <a:fld id="{7A4E0488-0F40-9645-8EBB-4836F989A1A3}" type="datetimeFigureOut">
               <a:rPr lang="en-US" smtClean="0"/>
-              <a:t>2/29/2024</a:t>
+              <a:t>3/1/2024</a:t>
             </a:fld>
             <a:endParaRPr lang="en-US"/>
           </a:p>
@@ -1101,7 +1103,7 @@
           <a:p>
             <a:fld id="{7A4E0488-0F40-9645-8EBB-4836F989A1A3}" type="datetimeFigureOut">
               <a:rPr lang="en-US" smtClean="0"/>
-              <a:t>2/29/2024</a:t>
+              <a:t>3/1/2024</a:t>
             </a:fld>
             <a:endParaRPr lang="en-US"/>
           </a:p>
@@ -1383,7 +1385,7 @@
           <a:p>
             <a:fld id="{7A4E0488-0F40-9645-8EBB-4836F989A1A3}" type="datetimeFigureOut">
               <a:rPr lang="en-US" smtClean="0"/>
-              <a:t>2/29/2024</a:t>
+              <a:t>3/1/2024</a:t>
             </a:fld>
             <a:endParaRPr lang="en-US"/>
           </a:p>
@@ -1740,7 +1742,7 @@
           <a:p>
             <a:fld id="{7A4E0488-0F40-9645-8EBB-4836F989A1A3}" type="datetimeFigureOut">
               <a:rPr lang="en-US" smtClean="0"/>
-              <a:t>2/29/2024</a:t>
+              <a:t>3/1/2024</a:t>
             </a:fld>
             <a:endParaRPr lang="en-US"/>
           </a:p>
@@ -2155,7 +2157,7 @@
           <a:p>
             <a:fld id="{7A4E0488-0F40-9645-8EBB-4836F989A1A3}" type="datetimeFigureOut">
               <a:rPr lang="en-US" smtClean="0"/>
-              <a:t>2/29/2024</a:t>
+              <a:t>3/1/2024</a:t>
             </a:fld>
             <a:endParaRPr lang="en-US"/>
           </a:p>
@@ -2304,7 +2306,7 @@
           <a:p>
             <a:fld id="{7A4E0488-0F40-9645-8EBB-4836F989A1A3}" type="datetimeFigureOut">
               <a:rPr lang="en-US" smtClean="0"/>
-              <a:t>2/29/2024</a:t>
+              <a:t>3/1/2024</a:t>
             </a:fld>
             <a:endParaRPr lang="en-US"/>
           </a:p>
@@ -2417,7 +2419,7 @@
           <a:p>
             <a:fld id="{7A4E0488-0F40-9645-8EBB-4836F989A1A3}" type="datetimeFigureOut">
               <a:rPr lang="en-US" smtClean="0"/>
-              <a:t>2/29/2024</a:t>
+              <a:t>3/1/2024</a:t>
             </a:fld>
             <a:endParaRPr lang="en-US"/>
           </a:p>
@@ -2731,7 +2733,7 @@
           <a:p>
             <a:fld id="{7A4E0488-0F40-9645-8EBB-4836F989A1A3}" type="datetimeFigureOut">
               <a:rPr lang="en-US" smtClean="0"/>
-              <a:t>2/29/2024</a:t>
+              <a:t>3/1/2024</a:t>
             </a:fld>
             <a:endParaRPr lang="en-US"/>
           </a:p>
@@ -3022,7 +3024,7 @@
           <a:p>
             <a:fld id="{7A4E0488-0F40-9645-8EBB-4836F989A1A3}" type="datetimeFigureOut">
               <a:rPr lang="en-US" smtClean="0"/>
-              <a:t>2/29/2024</a:t>
+              <a:t>3/1/2024</a:t>
             </a:fld>
             <a:endParaRPr lang="en-US"/>
           </a:p>
@@ -3918,6 +3920,382 @@
           <p:cNvPr id="2" name="標題 1">
             <a:extLst>
               <a:ext uri="{FF2B5EF4-FFF2-40B4-BE49-F238E27FC236}">
+                <a16:creationId xmlns:a16="http://schemas.microsoft.com/office/drawing/2014/main" id="{5B3A7DB5-0978-445F-BF54-6A159DC1B2EF}"/>
+              </a:ext>
+            </a:extLst>
+          </p:cNvPr>
+          <p:cNvSpPr>
+            <a:spLocks noGrp="1"/>
+          </p:cNvSpPr>
+          <p:nvPr>
+            <p:ph type="title"/>
+          </p:nvPr>
+        </p:nvSpPr>
+        <p:spPr/>
+        <p:txBody>
+          <a:bodyPr/>
+          <a:lstStyle/>
+          <a:p>
+            <a:r>
+              <a:rPr lang="en-US" altLang="zh-TW" b="1" dirty="0"/>
+              <a:t>Lab work - Few Modifications of Original </a:t>
+            </a:r>
+            <a:r>
+              <a:rPr lang="en-US" altLang="zh-TW" b="1" dirty="0" err="1"/>
+              <a:t>EdgeDetect</a:t>
+            </a:r>
+            <a:endParaRPr lang="zh-TW" altLang="en-US" dirty="0"/>
+          </a:p>
+        </p:txBody>
+      </p:sp>
+      <p:sp>
+        <p:nvSpPr>
+          <p:cNvPr id="3" name="內容版面配置區 2">
+            <a:extLst>
+              <a:ext uri="{FF2B5EF4-FFF2-40B4-BE49-F238E27FC236}">
+                <a16:creationId xmlns:a16="http://schemas.microsoft.com/office/drawing/2014/main" id="{0C48A88B-3026-4A84-910A-ADB299AB5F4A}"/>
+              </a:ext>
+            </a:extLst>
+          </p:cNvPr>
+          <p:cNvSpPr>
+            <a:spLocks noGrp="1"/>
+          </p:cNvSpPr>
+          <p:nvPr>
+            <p:ph idx="1"/>
+          </p:nvPr>
+        </p:nvSpPr>
+        <p:spPr/>
+        <p:txBody>
+          <a:bodyPr>
+            <a:normAutofit fontScale="92500" lnSpcReduction="10000"/>
+          </a:bodyPr>
+          <a:lstStyle/>
+          <a:p>
+            <a:pPr marL="514350" indent="-514350">
+              <a:buFont typeface="+mj-lt"/>
+              <a:buAutoNum type="arabicPeriod"/>
+            </a:pPr>
+            <a:r>
+              <a:rPr lang="en-US" altLang="zh-TW" b="1" dirty="0"/>
+              <a:t>Folder:Lab1_edgedetect - Run through the example</a:t>
+            </a:r>
+          </a:p>
+          <a:p>
+            <a:pPr marL="514350" indent="-514350">
+              <a:buFont typeface="+mj-lt"/>
+              <a:buAutoNum type="arabicPeriod"/>
+            </a:pPr>
+            <a:r>
+              <a:rPr lang="en-US" altLang="zh-TW" b="1" dirty="0"/>
+              <a:t>Folder:Lab2_edgedetect : Based on 1-lab1_edgedect code base, modify and implement the following (under </a:t>
+            </a:r>
+            <a:r>
+              <a:rPr lang="en-US" altLang="zh-TW" b="1" dirty="0" err="1"/>
+              <a:t>hls_c</a:t>
+            </a:r>
+            <a:r>
+              <a:rPr lang="en-US" altLang="zh-TW" b="1" dirty="0"/>
+              <a:t>)</a:t>
+            </a:r>
+          </a:p>
+          <a:p>
+            <a:pPr marL="914400" lvl="1" indent="-457200">
+              <a:buFont typeface="+mj-lt"/>
+              <a:buAutoNum type="arabicPeriod"/>
+            </a:pPr>
+            <a:r>
+              <a:rPr lang="en-US" altLang="zh-TW" b="1" dirty="0"/>
+              <a:t>Process four pixels per clock cycle.</a:t>
+            </a:r>
+          </a:p>
+          <a:p>
+            <a:pPr marL="914400" lvl="2" indent="0">
+              <a:buNone/>
+            </a:pPr>
+            <a:r>
+              <a:rPr lang="en-US" altLang="zh-TW" b="1" dirty="0">
+                <a:solidFill>
+                  <a:srgbClr val="0000FF"/>
+                </a:solidFill>
+              </a:rPr>
+              <a:t>Change input data type to compress four 8-bit pixels data read in one read cycle.</a:t>
+            </a:r>
+          </a:p>
+          <a:p>
+            <a:pPr marL="914400" lvl="1" indent="-457200">
+              <a:buFont typeface="+mj-lt"/>
+              <a:buAutoNum type="arabicPeriod"/>
+            </a:pPr>
+            <a:r>
+              <a:rPr lang="en-US" altLang="zh-TW" b="1" dirty="0"/>
+              <a:t>Use sum of absolute difference (SAD) for edge magnitude calculation.</a:t>
+            </a:r>
+          </a:p>
+          <a:p>
+            <a:pPr marL="914400" lvl="2" indent="0">
+              <a:buNone/>
+            </a:pPr>
+            <a:r>
+              <a:rPr lang="en-US" altLang="zh-TW" b="1" dirty="0">
+                <a:solidFill>
+                  <a:srgbClr val="0000FF"/>
+                </a:solidFill>
+              </a:rPr>
+              <a:t>Originally, we use square root in sample code.</a:t>
+            </a:r>
+          </a:p>
+          <a:p>
+            <a:pPr marL="914400" lvl="1" indent="-457200">
+              <a:buFont typeface="+mj-lt"/>
+              <a:buAutoNum type="arabicPeriod"/>
+            </a:pPr>
+            <a:r>
+              <a:rPr lang="en-US" altLang="zh-TW" b="1" dirty="0"/>
+              <a:t>Add two crc32 calculation on image input / output.</a:t>
+            </a:r>
+          </a:p>
+          <a:p>
+            <a:pPr marL="914400" lvl="2" indent="0">
+              <a:buNone/>
+            </a:pPr>
+            <a:r>
+              <a:rPr lang="en-US" altLang="zh-TW" b="1" dirty="0">
+                <a:solidFill>
+                  <a:srgbClr val="0000FF"/>
+                </a:solidFill>
+              </a:rPr>
+              <a:t>We will provide you the crc32 code, you need to use it in your design.</a:t>
+            </a:r>
+          </a:p>
+          <a:p>
+            <a:pPr marL="914400" lvl="1" indent="-457200">
+              <a:buFont typeface="+mj-lt"/>
+              <a:buAutoNum type="arabicPeriod"/>
+            </a:pPr>
+            <a:r>
+              <a:rPr lang="en-US" altLang="zh-TW" b="1" dirty="0"/>
+              <a:t>Select the output source from input image or the calculated magnitude.</a:t>
+            </a:r>
+          </a:p>
+          <a:p>
+            <a:pPr marL="914400" lvl="2" indent="0">
+              <a:buNone/>
+            </a:pPr>
+            <a:r>
+              <a:rPr lang="en-US" altLang="zh-TW" b="1" dirty="0">
+                <a:solidFill>
+                  <a:srgbClr val="0000FF"/>
+                </a:solidFill>
+              </a:rPr>
+              <a:t>Add mux on the top of design.</a:t>
+            </a:r>
+          </a:p>
+          <a:p>
+            <a:pPr marL="914400" lvl="1" indent="-457200">
+              <a:buFont typeface="+mj-lt"/>
+              <a:buAutoNum type="arabicPeriod"/>
+            </a:pPr>
+            <a:r>
+              <a:rPr lang="en-US" altLang="zh-TW" b="1" dirty="0"/>
+              <a:t>Remove the angle calculation.</a:t>
+            </a:r>
+          </a:p>
+          <a:p>
+            <a:pPr marL="514350" indent="-514350">
+              <a:buFont typeface="+mj-lt"/>
+              <a:buAutoNum type="arabicPeriod"/>
+            </a:pPr>
+            <a:r>
+              <a:rPr lang="en-US" altLang="zh-TW" b="1" dirty="0"/>
+              <a:t>Use path/</a:t>
+            </a:r>
+            <a:r>
+              <a:rPr lang="en-US" altLang="zh-TW" b="1" dirty="0" err="1"/>
+              <a:t>concat_rtl.v</a:t>
+            </a:r>
+            <a:r>
+              <a:rPr lang="en-US" altLang="zh-TW" b="1" dirty="0"/>
+              <a:t>  to integrate with FSIC and run verification (refer to lab1-fsic-sim)</a:t>
+            </a:r>
+          </a:p>
+          <a:p>
+            <a:pPr marL="0" indent="0">
+              <a:buNone/>
+            </a:pPr>
+            <a:endParaRPr lang="zh-TW" altLang="en-US" b="1" dirty="0">
+              <a:solidFill>
+                <a:srgbClr val="FF0000"/>
+              </a:solidFill>
+            </a:endParaRPr>
+          </a:p>
+        </p:txBody>
+      </p:sp>
+      <p:sp>
+        <p:nvSpPr>
+          <p:cNvPr id="4" name="文字方塊 3">
+            <a:extLst>
+              <a:ext uri="{FF2B5EF4-FFF2-40B4-BE49-F238E27FC236}">
+                <a16:creationId xmlns:a16="http://schemas.microsoft.com/office/drawing/2014/main" id="{CC6C93B8-4D57-4E7D-8A9E-70938E32721D}"/>
+              </a:ext>
+            </a:extLst>
+          </p:cNvPr>
+          <p:cNvSpPr txBox="1"/>
+          <p:nvPr/>
+        </p:nvSpPr>
+        <p:spPr>
+          <a:xfrm>
+            <a:off x="1884013" y="6304911"/>
+            <a:ext cx="8423973" cy="369332"/>
+          </a:xfrm>
+          <a:prstGeom prst="rect">
+            <a:avLst/>
+          </a:prstGeom>
+          <a:noFill/>
+        </p:spPr>
+        <p:txBody>
+          <a:bodyPr wrap="none" rtlCol="0">
+            <a:spAutoFit/>
+          </a:bodyPr>
+          <a:lstStyle/>
+          <a:p>
+            <a:r>
+              <a:rPr lang="en-US" altLang="zh-TW" dirty="0"/>
+              <a:t>About four pixels per clock cycle, you can check the file “hls_bluebook.pdf” page 102. </a:t>
+            </a:r>
+            <a:endParaRPr lang="zh-TW" altLang="en-US" dirty="0"/>
+          </a:p>
+        </p:txBody>
+      </p:sp>
+    </p:spTree>
+    <p:extLst>
+      <p:ext uri="{BB962C8B-B14F-4D97-AF65-F5344CB8AC3E}">
+        <p14:creationId xmlns:p14="http://schemas.microsoft.com/office/powerpoint/2010/main" val="3622376391"/>
+      </p:ext>
+    </p:extLst>
+  </p:cSld>
+  <p:clrMapOvr>
+    <a:masterClrMapping/>
+  </p:clrMapOvr>
+</p:sld>
+</file>
+
+<file path=ppt/slides/slide11.xml><?xml version="1.0" encoding="utf-8"?>
+<p:sld xmlns:a="http://schemas.openxmlformats.org/drawingml/2006/main" xmlns:r="http://schemas.openxmlformats.org/officeDocument/2006/relationships" xmlns:p="http://schemas.openxmlformats.org/presentationml/2006/main">
+  <p:cSld>
+    <p:spTree>
+      <p:nvGrpSpPr>
+        <p:cNvPr id="1" name=""/>
+        <p:cNvGrpSpPr/>
+        <p:nvPr/>
+      </p:nvGrpSpPr>
+      <p:grpSpPr>
+        <a:xfrm>
+          <a:off x="0" y="0"/>
+          <a:ext cx="0" cy="0"/>
+          <a:chOff x="0" y="0"/>
+          <a:chExt cx="0" cy="0"/>
+        </a:xfrm>
+      </p:grpSpPr>
+      <p:sp>
+        <p:nvSpPr>
+          <p:cNvPr id="2" name="標題 1">
+            <a:extLst>
+              <a:ext uri="{FF2B5EF4-FFF2-40B4-BE49-F238E27FC236}">
+                <a16:creationId xmlns:a16="http://schemas.microsoft.com/office/drawing/2014/main" id="{8B223015-88EB-4508-8F7C-6D2AC760E077}"/>
+              </a:ext>
+            </a:extLst>
+          </p:cNvPr>
+          <p:cNvSpPr>
+            <a:spLocks noGrp="1"/>
+          </p:cNvSpPr>
+          <p:nvPr>
+            <p:ph type="title"/>
+          </p:nvPr>
+        </p:nvSpPr>
+        <p:spPr/>
+        <p:txBody>
+          <a:bodyPr/>
+          <a:lstStyle/>
+          <a:p>
+            <a:r>
+              <a:rPr lang="en-US" altLang="zh-TW" u="sng" dirty="0"/>
+              <a:t>Modified top design in 02_edgedetect_fsic (for your reference</a:t>
+            </a:r>
+            <a:r>
+              <a:rPr lang="en-US" altLang="zh-TW" dirty="0"/>
+              <a:t>)</a:t>
+            </a:r>
+            <a:endParaRPr lang="zh-TW" altLang="en-US" dirty="0"/>
+          </a:p>
+        </p:txBody>
+      </p:sp>
+      <p:pic>
+        <p:nvPicPr>
+          <p:cNvPr id="4" name="內容版面配置區 3">
+            <a:extLst>
+              <a:ext uri="{FF2B5EF4-FFF2-40B4-BE49-F238E27FC236}">
+                <a16:creationId xmlns:a16="http://schemas.microsoft.com/office/drawing/2014/main" id="{F517E805-1DDF-4359-91AD-A658BFD6BCE2}"/>
+              </a:ext>
+            </a:extLst>
+          </p:cNvPr>
+          <p:cNvPicPr>
+            <a:picLocks noGrp="1" noChangeAspect="1"/>
+          </p:cNvPicPr>
+          <p:nvPr>
+            <p:ph idx="1"/>
+          </p:nvPr>
+        </p:nvPicPr>
+        <p:blipFill>
+          <a:blip r:embed="rId2"/>
+          <a:stretch>
+            <a:fillRect/>
+          </a:stretch>
+        </p:blipFill>
+        <p:spPr>
+          <a:xfrm>
+            <a:off x="2019883" y="924718"/>
+            <a:ext cx="8152234" cy="5008563"/>
+          </a:xfrm>
+          <a:prstGeom prst="rect">
+            <a:avLst/>
+          </a:prstGeom>
+        </p:spPr>
+      </p:pic>
+    </p:spTree>
+    <p:extLst>
+      <p:ext uri="{BB962C8B-B14F-4D97-AF65-F5344CB8AC3E}">
+        <p14:creationId xmlns:p14="http://schemas.microsoft.com/office/powerpoint/2010/main" val="2028349803"/>
+      </p:ext>
+    </p:extLst>
+  </p:cSld>
+  <p:clrMapOvr>
+    <a:masterClrMapping/>
+  </p:clrMapOvr>
+</p:sld>
+</file>
+
+<file path=ppt/slides/slide12.xml><?xml version="1.0" encoding="utf-8"?>
+<p:sld xmlns:a="http://schemas.openxmlformats.org/drawingml/2006/main" xmlns:r="http://schemas.openxmlformats.org/officeDocument/2006/relationships" xmlns:p="http://schemas.openxmlformats.org/presentationml/2006/main">
+  <p:cSld>
+    <p:spTree>
+      <p:nvGrpSpPr>
+        <p:cNvPr id="1" name=""/>
+        <p:cNvGrpSpPr/>
+        <p:nvPr/>
+      </p:nvGrpSpPr>
+      <p:grpSpPr>
+        <a:xfrm>
+          <a:off x="0" y="0"/>
+          <a:ext cx="0" cy="0"/>
+          <a:chOff x="0" y="0"/>
+          <a:chExt cx="0" cy="0"/>
+        </a:xfrm>
+      </p:grpSpPr>
+      <p:sp>
+        <p:nvSpPr>
+          <p:cNvPr id="2" name="標題 1">
+            <a:extLst>
+              <a:ext uri="{FF2B5EF4-FFF2-40B4-BE49-F238E27FC236}">
                 <a16:creationId xmlns:a16="http://schemas.microsoft.com/office/drawing/2014/main" id="{FB4AC6D1-C0CD-489B-BD7F-6957E299931D}"/>
               </a:ext>
             </a:extLst>
@@ -3987,7 +4365,7 @@
 </p:sld>
 </file>
 
-<file path=ppt/slides/slide11.xml><?xml version="1.0" encoding="utf-8"?>
+<file path=ppt/slides/slide13.xml><?xml version="1.0" encoding="utf-8"?>
 <p:sld xmlns:a="http://schemas.openxmlformats.org/drawingml/2006/main" xmlns:r="http://schemas.openxmlformats.org/officeDocument/2006/relationships" xmlns:p="http://schemas.openxmlformats.org/presentationml/2006/main">
   <p:cSld>
     <p:spTree>
@@ -4078,7 +4456,7 @@
 </p:sld>
 </file>
 
-<file path=ppt/slides/slide12.xml><?xml version="1.0" encoding="utf-8"?>
+<file path=ppt/slides/slide14.xml><?xml version="1.0" encoding="utf-8"?>
 <p:sld xmlns:a="http://schemas.openxmlformats.org/drawingml/2006/main" xmlns:r="http://schemas.openxmlformats.org/officeDocument/2006/relationships" xmlns:p="http://schemas.openxmlformats.org/presentationml/2006/main">
   <p:cSld>
     <p:spTree>
@@ -4169,7 +4547,7 @@
 </p:sld>
 </file>
 
-<file path=ppt/slides/slide13.xml><?xml version="1.0" encoding="utf-8"?>
+<file path=ppt/slides/slide15.xml><?xml version="1.0" encoding="utf-8"?>
 <p:sld xmlns:a="http://schemas.openxmlformats.org/drawingml/2006/main" xmlns:r="http://schemas.openxmlformats.org/officeDocument/2006/relationships" xmlns:p="http://schemas.openxmlformats.org/presentationml/2006/main">
   <p:cSld>
     <p:spTree>
@@ -4260,521 +4638,6 @@
 </p:sld>
 </file>
 
-<file path=ppt/slides/slide14.xml><?xml version="1.0" encoding="utf-8"?>
-<p:sld xmlns:a="http://schemas.openxmlformats.org/drawingml/2006/main" xmlns:r="http://schemas.openxmlformats.org/officeDocument/2006/relationships" xmlns:p="http://schemas.openxmlformats.org/presentationml/2006/main">
-  <p:cSld>
-    <p:spTree>
-      <p:nvGrpSpPr>
-        <p:cNvPr id="1" name=""/>
-        <p:cNvGrpSpPr/>
-        <p:nvPr/>
-      </p:nvGrpSpPr>
-      <p:grpSpPr>
-        <a:xfrm>
-          <a:off x="0" y="0"/>
-          <a:ext cx="0" cy="0"/>
-          <a:chOff x="0" y="0"/>
-          <a:chExt cx="0" cy="0"/>
-        </a:xfrm>
-      </p:grpSpPr>
-      <p:sp>
-        <p:nvSpPr>
-          <p:cNvPr id="2" name="標題 1">
-            <a:extLst>
-              <a:ext uri="{FF2B5EF4-FFF2-40B4-BE49-F238E27FC236}">
-                <a16:creationId xmlns:a16="http://schemas.microsoft.com/office/drawing/2014/main" id="{11BB4311-BC8F-4D8F-BE36-C9E03EA3EC39}"/>
-              </a:ext>
-            </a:extLst>
-          </p:cNvPr>
-          <p:cNvSpPr>
-            <a:spLocks noGrp="1"/>
-          </p:cNvSpPr>
-          <p:nvPr>
-            <p:ph type="title"/>
-          </p:nvPr>
-        </p:nvSpPr>
-        <p:spPr/>
-        <p:txBody>
-          <a:bodyPr/>
-          <a:lstStyle/>
-          <a:p>
-            <a:r>
-              <a:rPr lang="en-US" altLang="zh-TW" dirty="0"/>
-              <a:t>Provided Content</a:t>
-            </a:r>
-            <a:endParaRPr lang="zh-TW" altLang="en-US" dirty="0"/>
-          </a:p>
-        </p:txBody>
-      </p:sp>
-      <p:sp>
-        <p:nvSpPr>
-          <p:cNvPr id="3" name="內容版面配置區 2">
-            <a:extLst>
-              <a:ext uri="{FF2B5EF4-FFF2-40B4-BE49-F238E27FC236}">
-                <a16:creationId xmlns:a16="http://schemas.microsoft.com/office/drawing/2014/main" id="{59C9D82F-A7A9-4D92-836A-84B3D5A44D9C}"/>
-              </a:ext>
-            </a:extLst>
-          </p:cNvPr>
-          <p:cNvSpPr>
-            <a:spLocks noGrp="1"/>
-          </p:cNvSpPr>
-          <p:nvPr>
-            <p:ph idx="1"/>
-          </p:nvPr>
-        </p:nvSpPr>
-        <p:spPr/>
-        <p:txBody>
-          <a:bodyPr/>
-          <a:lstStyle/>
-          <a:p>
-            <a:r>
-              <a:rPr lang="en-US" altLang="zh-TW" dirty="0"/>
-              <a:t>All content of lab1_fir(walkthrough, </a:t>
-            </a:r>
-            <a:r>
-              <a:rPr lang="en-US" altLang="zh-TW" dirty="0" err="1"/>
-              <a:t>mem_ifc</a:t>
-            </a:r>
-            <a:r>
-              <a:rPr lang="en-US" altLang="zh-TW" dirty="0"/>
-              <a:t>, </a:t>
-            </a:r>
-            <a:r>
-              <a:rPr lang="en-US" altLang="zh-TW" dirty="0" err="1"/>
-              <a:t>multi_blks</a:t>
-            </a:r>
-            <a:r>
-              <a:rPr lang="en-US" altLang="zh-TW" dirty="0"/>
-              <a:t>) </a:t>
-            </a:r>
-          </a:p>
-          <a:p>
-            <a:r>
-              <a:rPr lang="en-US" altLang="zh-TW" dirty="0"/>
-              <a:t>lab2_edgedetec_fsic</a:t>
-            </a:r>
-          </a:p>
-          <a:p>
-            <a:pPr lvl="1"/>
-            <a:r>
-              <a:rPr lang="en-US" altLang="zh-TW" dirty="0">
-                <a:solidFill>
-                  <a:srgbClr val="FF0000"/>
-                </a:solidFill>
-              </a:rPr>
-              <a:t>All content </a:t>
-            </a:r>
-            <a:r>
-              <a:rPr lang="en-US" altLang="zh-TW" dirty="0"/>
-              <a:t>of 01_edgedetect</a:t>
-            </a:r>
-          </a:p>
-          <a:p>
-            <a:pPr lvl="1"/>
-            <a:r>
-              <a:rPr lang="en-US" altLang="zh-TW" dirty="0"/>
-              <a:t>Only provide the </a:t>
-            </a:r>
-            <a:r>
-              <a:rPr lang="en-US" altLang="zh-TW" dirty="0">
-                <a:solidFill>
-                  <a:srgbClr val="FF0000"/>
-                </a:solidFill>
-              </a:rPr>
-              <a:t>testbench</a:t>
-            </a:r>
-            <a:r>
-              <a:rPr lang="en-US" altLang="zh-TW" dirty="0"/>
-              <a:t> of 02_edgedetect_fsic,</a:t>
-            </a:r>
-            <a:r>
-              <a:rPr lang="zh-TW" altLang="en-US" dirty="0"/>
-              <a:t> </a:t>
-            </a:r>
-            <a:r>
-              <a:rPr lang="en-US" altLang="zh-TW" dirty="0"/>
-              <a:t>you</a:t>
-            </a:r>
-            <a:r>
-              <a:rPr lang="zh-TW" altLang="en-US" dirty="0"/>
-              <a:t> </a:t>
-            </a:r>
-            <a:r>
-              <a:rPr lang="en-US" altLang="zh-TW" dirty="0"/>
-              <a:t>need</a:t>
-            </a:r>
-            <a:r>
-              <a:rPr lang="zh-TW" altLang="en-US" dirty="0"/>
-              <a:t> </a:t>
-            </a:r>
-            <a:r>
-              <a:rPr lang="en-US" altLang="zh-TW" dirty="0"/>
-              <a:t>to</a:t>
-            </a:r>
-            <a:r>
-              <a:rPr lang="zh-TW" altLang="en-US" dirty="0"/>
-              <a:t> </a:t>
-            </a:r>
-            <a:r>
-              <a:rPr lang="en-US" altLang="zh-TW" dirty="0"/>
-              <a:t>modify the code of 01_edgedetect to satisfy specification.</a:t>
-            </a:r>
-          </a:p>
-          <a:p>
-            <a:pPr lvl="1"/>
-            <a:r>
-              <a:rPr lang="en-US" altLang="zh-TW"/>
-              <a:t>crc32</a:t>
-            </a:r>
-            <a:r>
-              <a:rPr lang="en-US" altLang="zh-TW" dirty="0"/>
-              <a:t>.cpp can be accessed by </a:t>
-            </a:r>
-            <a:r>
-              <a:rPr lang="en-US" altLang="zh-TW" dirty="0" err="1"/>
-              <a:t>github</a:t>
-            </a:r>
-            <a:r>
-              <a:rPr lang="en-US" altLang="zh-TW" dirty="0"/>
-              <a:t>, which should be used in your design</a:t>
-            </a:r>
-          </a:p>
-          <a:p>
-            <a:pPr marL="457200" lvl="1" indent="0">
-              <a:buNone/>
-            </a:pPr>
-            <a:r>
-              <a:rPr lang="en-US" altLang="zh-TW" dirty="0">
-                <a:hlinkClick r:id="rId2"/>
-              </a:rPr>
-              <a:t>https://github.com/bol-edu/caravel-soc_fpga-lab/tree/main/catapult_hls</a:t>
-            </a:r>
-            <a:r>
-              <a:rPr lang="en-US" altLang="zh-TW" dirty="0"/>
-              <a:t> </a:t>
-            </a:r>
-          </a:p>
-          <a:p>
-            <a:pPr lvl="1"/>
-            <a:r>
-              <a:rPr lang="en-US" altLang="zh-TW" dirty="0"/>
-              <a:t>03_fsic_prj, after you generate the </a:t>
-            </a:r>
-            <a:r>
-              <a:rPr lang="en-US" altLang="zh-TW" dirty="0" err="1"/>
-              <a:t>rtl</a:t>
-            </a:r>
-            <a:r>
-              <a:rPr lang="en-US" altLang="zh-TW" dirty="0"/>
-              <a:t> design of 02_edgedetect_fsic, integrate it to FSIC and save all design into this folder.</a:t>
-            </a:r>
-          </a:p>
-          <a:p>
-            <a:pPr lvl="1"/>
-            <a:endParaRPr lang="en-US" altLang="zh-TW" dirty="0"/>
-          </a:p>
-          <a:p>
-            <a:r>
-              <a:rPr lang="en-US" altLang="zh-TW" b="1" dirty="0"/>
-              <a:t>Note: This lab didn’t need to do synthesis, only need </a:t>
-            </a:r>
-            <a:r>
-              <a:rPr lang="en-US" altLang="zh-TW" b="1" dirty="0">
-                <a:solidFill>
-                  <a:srgbClr val="FF0000"/>
-                </a:solidFill>
-              </a:rPr>
-              <a:t>simulation</a:t>
-            </a:r>
-            <a:r>
-              <a:rPr lang="en-US" altLang="zh-TW" b="1" dirty="0"/>
-              <a:t>.</a:t>
-            </a:r>
-          </a:p>
-        </p:txBody>
-      </p:sp>
-    </p:spTree>
-    <p:extLst>
-      <p:ext uri="{BB962C8B-B14F-4D97-AF65-F5344CB8AC3E}">
-        <p14:creationId xmlns:p14="http://schemas.microsoft.com/office/powerpoint/2010/main" val="2290982800"/>
-      </p:ext>
-    </p:extLst>
-  </p:cSld>
-  <p:clrMapOvr>
-    <a:masterClrMapping/>
-  </p:clrMapOvr>
-</p:sld>
-</file>
-
-<file path=ppt/slides/slide15.xml><?xml version="1.0" encoding="utf-8"?>
-<p:sld xmlns:a="http://schemas.openxmlformats.org/drawingml/2006/main" xmlns:r="http://schemas.openxmlformats.org/officeDocument/2006/relationships" xmlns:p="http://schemas.openxmlformats.org/presentationml/2006/main">
-  <p:cSld>
-    <p:spTree>
-      <p:nvGrpSpPr>
-        <p:cNvPr id="1" name=""/>
-        <p:cNvGrpSpPr/>
-        <p:nvPr/>
-      </p:nvGrpSpPr>
-      <p:grpSpPr>
-        <a:xfrm>
-          <a:off x="0" y="0"/>
-          <a:ext cx="0" cy="0"/>
-          <a:chOff x="0" y="0"/>
-          <a:chExt cx="0" cy="0"/>
-        </a:xfrm>
-      </p:grpSpPr>
-      <p:sp>
-        <p:nvSpPr>
-          <p:cNvPr id="2" name="標題 1">
-            <a:extLst>
-              <a:ext uri="{FF2B5EF4-FFF2-40B4-BE49-F238E27FC236}">
-                <a16:creationId xmlns:a16="http://schemas.microsoft.com/office/drawing/2014/main" id="{5E7FBFE7-8D58-48BD-AEA9-49176E8DAC8E}"/>
-              </a:ext>
-            </a:extLst>
-          </p:cNvPr>
-          <p:cNvSpPr>
-            <a:spLocks noGrp="1"/>
-          </p:cNvSpPr>
-          <p:nvPr>
-            <p:ph type="title"/>
-          </p:nvPr>
-        </p:nvSpPr>
-        <p:spPr/>
-        <p:txBody>
-          <a:bodyPr/>
-          <a:lstStyle/>
-          <a:p>
-            <a:r>
-              <a:rPr lang="en-US" altLang="zh-TW" b="1" dirty="0"/>
-              <a:t>Submission</a:t>
-            </a:r>
-            <a:endParaRPr lang="zh-TW" altLang="en-US" b="1" dirty="0"/>
-          </a:p>
-        </p:txBody>
-      </p:sp>
-      <p:sp>
-        <p:nvSpPr>
-          <p:cNvPr id="3" name="內容版面配置區 2">
-            <a:extLst>
-              <a:ext uri="{FF2B5EF4-FFF2-40B4-BE49-F238E27FC236}">
-                <a16:creationId xmlns:a16="http://schemas.microsoft.com/office/drawing/2014/main" id="{B3CF14F2-C8BA-413B-A98F-D862B22808E2}"/>
-              </a:ext>
-            </a:extLst>
-          </p:cNvPr>
-          <p:cNvSpPr>
-            <a:spLocks noGrp="1"/>
-          </p:cNvSpPr>
-          <p:nvPr>
-            <p:ph idx="1"/>
-          </p:nvPr>
-        </p:nvSpPr>
-        <p:spPr/>
-        <p:txBody>
-          <a:bodyPr>
-            <a:normAutofit fontScale="92500"/>
-          </a:bodyPr>
-          <a:lstStyle/>
-          <a:p>
-            <a:pPr fontAlgn="base"/>
-            <a:r>
-              <a:rPr lang="en-US" altLang="zh-TW" b="1" dirty="0"/>
-              <a:t>Please submit the following files to {NTHU </a:t>
-            </a:r>
-            <a:r>
-              <a:rPr lang="en-US" altLang="zh-TW" b="1" dirty="0" err="1"/>
-              <a:t>eeclass</a:t>
-            </a:r>
-            <a:r>
-              <a:rPr lang="en-US" altLang="zh-TW" b="1" dirty="0"/>
-              <a:t> / NTU COOL / NYCU E3} </a:t>
-            </a:r>
-          </a:p>
-          <a:p>
-            <a:pPr lvl="1" fontAlgn="base"/>
-            <a:r>
-              <a:rPr lang="en-US" altLang="zh-TW" b="1" dirty="0" err="1"/>
-              <a:t>hls</a:t>
-            </a:r>
-            <a:r>
-              <a:rPr lang="en-US" altLang="zh-TW" b="1" dirty="0"/>
-              <a:t> code</a:t>
-            </a:r>
-            <a:r>
-              <a:rPr lang="zh-TW" altLang="en-US" b="1" dirty="0"/>
-              <a:t> </a:t>
-            </a:r>
-            <a:r>
-              <a:rPr lang="en-US" altLang="zh-TW" b="1" dirty="0"/>
-              <a:t>of 02_edgedetect_fsic</a:t>
-            </a:r>
-          </a:p>
-          <a:p>
-            <a:pPr lvl="1" fontAlgn="base"/>
-            <a:r>
-              <a:rPr lang="en-US" altLang="zh-TW" b="1" dirty="0"/>
-              <a:t>Testbench (no matter you modify it or not)</a:t>
-            </a:r>
-          </a:p>
-          <a:p>
-            <a:pPr lvl="1" fontAlgn="base"/>
-            <a:r>
-              <a:rPr lang="en-US" altLang="zh-TW" b="1" dirty="0"/>
-              <a:t>Synthesis report of hardware design </a:t>
-            </a:r>
-          </a:p>
-          <a:p>
-            <a:pPr lvl="2" fontAlgn="base"/>
-            <a:r>
-              <a:rPr lang="en-US" altLang="zh-TW" b="1" dirty="0"/>
-              <a:t>Screen shot of table in catapult (including general, run time, memory usage, timing, and area score)</a:t>
-            </a:r>
-          </a:p>
-          <a:p>
-            <a:pPr lvl="2" fontAlgn="base"/>
-            <a:r>
-              <a:rPr lang="en-US" altLang="zh-TW" b="1" dirty="0"/>
-              <a:t>The file of </a:t>
-            </a:r>
-            <a:r>
-              <a:rPr lang="en-US" altLang="zh-TW" b="1" dirty="0" err="1"/>
-              <a:t>rtl</a:t>
-            </a:r>
-            <a:r>
-              <a:rPr lang="en-US" altLang="zh-TW" b="1" dirty="0"/>
-              <a:t> report (</a:t>
-            </a:r>
-            <a:r>
-              <a:rPr lang="en-US" altLang="zh-TW" b="1" dirty="0" err="1"/>
-              <a:t>rtl.rpt</a:t>
-            </a:r>
-            <a:r>
-              <a:rPr lang="en-US" altLang="zh-TW" b="1" dirty="0"/>
-              <a:t>)</a:t>
-            </a:r>
-          </a:p>
-          <a:p>
-            <a:pPr lvl="1" fontAlgn="base"/>
-            <a:r>
-              <a:rPr lang="en-US" altLang="zh-TW" b="1" dirty="0" err="1"/>
-              <a:t>Questasim</a:t>
-            </a:r>
-            <a:r>
-              <a:rPr lang="en-US" altLang="zh-TW" b="1" dirty="0"/>
-              <a:t> simulation result</a:t>
-            </a:r>
-          </a:p>
-          <a:p>
-            <a:pPr lvl="1" fontAlgn="base"/>
-            <a:r>
-              <a:rPr lang="en-US" altLang="zh-TW" b="1" dirty="0" err="1"/>
-              <a:t>tcl</a:t>
-            </a:r>
-            <a:r>
-              <a:rPr lang="en-US" altLang="zh-TW" b="1" dirty="0"/>
-              <a:t> file generate by catapult (</a:t>
-            </a:r>
-            <a:r>
-              <a:rPr lang="en-US" altLang="zh-TW" b="1" dirty="0" err="1"/>
-              <a:t>directives.tcl</a:t>
-            </a:r>
-            <a:r>
-              <a:rPr lang="en-US" altLang="zh-TW" b="1" dirty="0"/>
-              <a:t>)</a:t>
-            </a:r>
-          </a:p>
-          <a:p>
-            <a:pPr lvl="1" fontAlgn="base"/>
-            <a:r>
-              <a:rPr lang="en-US" altLang="zh-TW" b="1" dirty="0"/>
-              <a:t>Integrate to FSIC (</a:t>
-            </a:r>
-            <a:r>
-              <a:rPr lang="en-US" altLang="zh-TW" b="1" dirty="0" err="1"/>
-              <a:t>rtl</a:t>
-            </a:r>
-            <a:r>
-              <a:rPr lang="en-US" altLang="zh-TW" b="1" dirty="0"/>
-              <a:t> design and testbench, we can use these file to execute simulation)</a:t>
-            </a:r>
-          </a:p>
-          <a:p>
-            <a:pPr lvl="1" fontAlgn="base"/>
-            <a:r>
-              <a:rPr lang="en-US" altLang="zh-TW" b="1" dirty="0"/>
-              <a:t>Simulation result of FSIC</a:t>
-            </a:r>
-          </a:p>
-          <a:p>
-            <a:pPr lvl="1" fontAlgn="base"/>
-            <a:r>
-              <a:rPr lang="en-US" altLang="zh-TW" b="1" dirty="0"/>
-              <a:t>report_StudentID.pdf</a:t>
-            </a:r>
-          </a:p>
-          <a:p>
-            <a:pPr lvl="1" fontAlgn="base"/>
-            <a:r>
-              <a:rPr lang="en-US" altLang="zh-TW" b="1" dirty="0">
-                <a:solidFill>
-                  <a:srgbClr val="FF0000"/>
-                </a:solidFill>
-              </a:rPr>
-              <a:t>Github_link.txt</a:t>
-            </a:r>
-          </a:p>
-        </p:txBody>
-      </p:sp>
-      <p:sp>
-        <p:nvSpPr>
-          <p:cNvPr id="4" name="矩形 3">
-            <a:extLst>
-              <a:ext uri="{FF2B5EF4-FFF2-40B4-BE49-F238E27FC236}">
-                <a16:creationId xmlns:a16="http://schemas.microsoft.com/office/drawing/2014/main" id="{311FAE7D-9F0B-4DDF-BDE6-67DFD077B3B5}"/>
-              </a:ext>
-            </a:extLst>
-          </p:cNvPr>
-          <p:cNvSpPr/>
-          <p:nvPr/>
-        </p:nvSpPr>
-        <p:spPr>
-          <a:xfrm>
-            <a:off x="838200" y="5798856"/>
-            <a:ext cx="10515600" cy="369332"/>
-          </a:xfrm>
-          <a:prstGeom prst="rect">
-            <a:avLst/>
-          </a:prstGeom>
-        </p:spPr>
-        <p:txBody>
-          <a:bodyPr wrap="square">
-            <a:spAutoFit/>
-          </a:bodyPr>
-          <a:lstStyle/>
-          <a:p>
-            <a:r>
-              <a:rPr lang="en-US" altLang="zh-TW" b="1" dirty="0">
-                <a:solidFill>
-                  <a:srgbClr val="FF0000"/>
-                </a:solidFill>
-              </a:rPr>
-              <a:t>Note: Since the authorization of these lab content, don’t upload the file which is not mentioned above. </a:t>
-            </a:r>
-          </a:p>
-        </p:txBody>
-      </p:sp>
-    </p:spTree>
-    <p:extLst>
-      <p:ext uri="{BB962C8B-B14F-4D97-AF65-F5344CB8AC3E}">
-        <p14:creationId xmlns:p14="http://schemas.microsoft.com/office/powerpoint/2010/main" val="3667964837"/>
-      </p:ext>
-    </p:extLst>
-  </p:cSld>
-  <p:clrMapOvr>
-    <a:masterClrMapping/>
-  </p:clrMapOvr>
-</p:sld>
-</file>
-
 <file path=ppt/slides/slide16.xml><?xml version="1.0" encoding="utf-8"?>
 <p:sld xmlns:a="http://schemas.openxmlformats.org/drawingml/2006/main" xmlns:r="http://schemas.openxmlformats.org/officeDocument/2006/relationships" xmlns:p="http://schemas.openxmlformats.org/presentationml/2006/main">
   <p:cSld>
@@ -4797,6 +4660,521 @@
           <p:cNvPr id="2" name="標題 1">
             <a:extLst>
               <a:ext uri="{FF2B5EF4-FFF2-40B4-BE49-F238E27FC236}">
+                <a16:creationId xmlns:a16="http://schemas.microsoft.com/office/drawing/2014/main" id="{11BB4311-BC8F-4D8F-BE36-C9E03EA3EC39}"/>
+              </a:ext>
+            </a:extLst>
+          </p:cNvPr>
+          <p:cNvSpPr>
+            <a:spLocks noGrp="1"/>
+          </p:cNvSpPr>
+          <p:nvPr>
+            <p:ph type="title"/>
+          </p:nvPr>
+        </p:nvSpPr>
+        <p:spPr/>
+        <p:txBody>
+          <a:bodyPr/>
+          <a:lstStyle/>
+          <a:p>
+            <a:r>
+              <a:rPr lang="en-US" altLang="zh-TW" dirty="0"/>
+              <a:t>Provided Content</a:t>
+            </a:r>
+            <a:endParaRPr lang="zh-TW" altLang="en-US" dirty="0"/>
+          </a:p>
+        </p:txBody>
+      </p:sp>
+      <p:sp>
+        <p:nvSpPr>
+          <p:cNvPr id="3" name="內容版面配置區 2">
+            <a:extLst>
+              <a:ext uri="{FF2B5EF4-FFF2-40B4-BE49-F238E27FC236}">
+                <a16:creationId xmlns:a16="http://schemas.microsoft.com/office/drawing/2014/main" id="{59C9D82F-A7A9-4D92-836A-84B3D5A44D9C}"/>
+              </a:ext>
+            </a:extLst>
+          </p:cNvPr>
+          <p:cNvSpPr>
+            <a:spLocks noGrp="1"/>
+          </p:cNvSpPr>
+          <p:nvPr>
+            <p:ph idx="1"/>
+          </p:nvPr>
+        </p:nvSpPr>
+        <p:spPr/>
+        <p:txBody>
+          <a:bodyPr/>
+          <a:lstStyle/>
+          <a:p>
+            <a:r>
+              <a:rPr lang="en-US" altLang="zh-TW" dirty="0"/>
+              <a:t>All content of lab1_fir(walkthrough, </a:t>
+            </a:r>
+            <a:r>
+              <a:rPr lang="en-US" altLang="zh-TW" dirty="0" err="1"/>
+              <a:t>mem_ifc</a:t>
+            </a:r>
+            <a:r>
+              <a:rPr lang="en-US" altLang="zh-TW" dirty="0"/>
+              <a:t>, </a:t>
+            </a:r>
+            <a:r>
+              <a:rPr lang="en-US" altLang="zh-TW" dirty="0" err="1"/>
+              <a:t>multi_blks</a:t>
+            </a:r>
+            <a:r>
+              <a:rPr lang="en-US" altLang="zh-TW" dirty="0"/>
+              <a:t>) </a:t>
+            </a:r>
+          </a:p>
+          <a:p>
+            <a:r>
+              <a:rPr lang="en-US" altLang="zh-TW" dirty="0"/>
+              <a:t>lab2_edgedetec_fsic</a:t>
+            </a:r>
+          </a:p>
+          <a:p>
+            <a:pPr lvl="1"/>
+            <a:r>
+              <a:rPr lang="en-US" altLang="zh-TW" dirty="0">
+                <a:solidFill>
+                  <a:srgbClr val="FF0000"/>
+                </a:solidFill>
+              </a:rPr>
+              <a:t>All content </a:t>
+            </a:r>
+            <a:r>
+              <a:rPr lang="en-US" altLang="zh-TW" dirty="0"/>
+              <a:t>of 01_edgedetect</a:t>
+            </a:r>
+          </a:p>
+          <a:p>
+            <a:pPr lvl="1"/>
+            <a:r>
+              <a:rPr lang="en-US" altLang="zh-TW" dirty="0"/>
+              <a:t>Only provide the </a:t>
+            </a:r>
+            <a:r>
+              <a:rPr lang="en-US" altLang="zh-TW" dirty="0">
+                <a:solidFill>
+                  <a:srgbClr val="FF0000"/>
+                </a:solidFill>
+              </a:rPr>
+              <a:t>testbench</a:t>
+            </a:r>
+            <a:r>
+              <a:rPr lang="en-US" altLang="zh-TW" dirty="0"/>
+              <a:t> of 02_edgedetect_fsic,</a:t>
+            </a:r>
+            <a:r>
+              <a:rPr lang="zh-TW" altLang="en-US" dirty="0"/>
+              <a:t> </a:t>
+            </a:r>
+            <a:r>
+              <a:rPr lang="en-US" altLang="zh-TW" dirty="0"/>
+              <a:t>you</a:t>
+            </a:r>
+            <a:r>
+              <a:rPr lang="zh-TW" altLang="en-US" dirty="0"/>
+              <a:t> </a:t>
+            </a:r>
+            <a:r>
+              <a:rPr lang="en-US" altLang="zh-TW" dirty="0"/>
+              <a:t>need</a:t>
+            </a:r>
+            <a:r>
+              <a:rPr lang="zh-TW" altLang="en-US" dirty="0"/>
+              <a:t> </a:t>
+            </a:r>
+            <a:r>
+              <a:rPr lang="en-US" altLang="zh-TW" dirty="0"/>
+              <a:t>to</a:t>
+            </a:r>
+            <a:r>
+              <a:rPr lang="zh-TW" altLang="en-US" dirty="0"/>
+              <a:t> </a:t>
+            </a:r>
+            <a:r>
+              <a:rPr lang="en-US" altLang="zh-TW" dirty="0"/>
+              <a:t>modify the code of 01_edgedetect to satisfy specification.</a:t>
+            </a:r>
+          </a:p>
+          <a:p>
+            <a:pPr lvl="1"/>
+            <a:r>
+              <a:rPr lang="en-US" altLang="zh-TW"/>
+              <a:t>crc32</a:t>
+            </a:r>
+            <a:r>
+              <a:rPr lang="en-US" altLang="zh-TW" dirty="0"/>
+              <a:t>.cpp can be accessed by </a:t>
+            </a:r>
+            <a:r>
+              <a:rPr lang="en-US" altLang="zh-TW" dirty="0" err="1"/>
+              <a:t>github</a:t>
+            </a:r>
+            <a:r>
+              <a:rPr lang="en-US" altLang="zh-TW" dirty="0"/>
+              <a:t>, which should be used in your design</a:t>
+            </a:r>
+          </a:p>
+          <a:p>
+            <a:pPr marL="457200" lvl="1" indent="0">
+              <a:buNone/>
+            </a:pPr>
+            <a:r>
+              <a:rPr lang="en-US" altLang="zh-TW" dirty="0">
+                <a:hlinkClick r:id="rId2"/>
+              </a:rPr>
+              <a:t>https://github.com/bol-edu/caravel-soc_fpga-lab/tree/main/catapult_hls</a:t>
+            </a:r>
+            <a:r>
+              <a:rPr lang="en-US" altLang="zh-TW" dirty="0"/>
+              <a:t> </a:t>
+            </a:r>
+          </a:p>
+          <a:p>
+            <a:pPr lvl="1"/>
+            <a:r>
+              <a:rPr lang="en-US" altLang="zh-TW" dirty="0"/>
+              <a:t>03_fsic_prj, after you generate the </a:t>
+            </a:r>
+            <a:r>
+              <a:rPr lang="en-US" altLang="zh-TW" dirty="0" err="1"/>
+              <a:t>rtl</a:t>
+            </a:r>
+            <a:r>
+              <a:rPr lang="en-US" altLang="zh-TW" dirty="0"/>
+              <a:t> design of 02_edgedetect_fsic, integrate it to FSIC and save all design into this folder.</a:t>
+            </a:r>
+          </a:p>
+          <a:p>
+            <a:pPr lvl="1"/>
+            <a:endParaRPr lang="en-US" altLang="zh-TW" dirty="0"/>
+          </a:p>
+          <a:p>
+            <a:r>
+              <a:rPr lang="en-US" altLang="zh-TW" b="1" dirty="0"/>
+              <a:t>Note: This lab didn’t need to do synthesis, only need </a:t>
+            </a:r>
+            <a:r>
+              <a:rPr lang="en-US" altLang="zh-TW" b="1" dirty="0">
+                <a:solidFill>
+                  <a:srgbClr val="FF0000"/>
+                </a:solidFill>
+              </a:rPr>
+              <a:t>simulation</a:t>
+            </a:r>
+            <a:r>
+              <a:rPr lang="en-US" altLang="zh-TW" b="1" dirty="0"/>
+              <a:t>.</a:t>
+            </a:r>
+          </a:p>
+        </p:txBody>
+      </p:sp>
+    </p:spTree>
+    <p:extLst>
+      <p:ext uri="{BB962C8B-B14F-4D97-AF65-F5344CB8AC3E}">
+        <p14:creationId xmlns:p14="http://schemas.microsoft.com/office/powerpoint/2010/main" val="2290982800"/>
+      </p:ext>
+    </p:extLst>
+  </p:cSld>
+  <p:clrMapOvr>
+    <a:masterClrMapping/>
+  </p:clrMapOvr>
+</p:sld>
+</file>
+
+<file path=ppt/slides/slide17.xml><?xml version="1.0" encoding="utf-8"?>
+<p:sld xmlns:a="http://schemas.openxmlformats.org/drawingml/2006/main" xmlns:r="http://schemas.openxmlformats.org/officeDocument/2006/relationships" xmlns:p="http://schemas.openxmlformats.org/presentationml/2006/main">
+  <p:cSld>
+    <p:spTree>
+      <p:nvGrpSpPr>
+        <p:cNvPr id="1" name=""/>
+        <p:cNvGrpSpPr/>
+        <p:nvPr/>
+      </p:nvGrpSpPr>
+      <p:grpSpPr>
+        <a:xfrm>
+          <a:off x="0" y="0"/>
+          <a:ext cx="0" cy="0"/>
+          <a:chOff x="0" y="0"/>
+          <a:chExt cx="0" cy="0"/>
+        </a:xfrm>
+      </p:grpSpPr>
+      <p:sp>
+        <p:nvSpPr>
+          <p:cNvPr id="2" name="標題 1">
+            <a:extLst>
+              <a:ext uri="{FF2B5EF4-FFF2-40B4-BE49-F238E27FC236}">
+                <a16:creationId xmlns:a16="http://schemas.microsoft.com/office/drawing/2014/main" id="{5E7FBFE7-8D58-48BD-AEA9-49176E8DAC8E}"/>
+              </a:ext>
+            </a:extLst>
+          </p:cNvPr>
+          <p:cNvSpPr>
+            <a:spLocks noGrp="1"/>
+          </p:cNvSpPr>
+          <p:nvPr>
+            <p:ph type="title"/>
+          </p:nvPr>
+        </p:nvSpPr>
+        <p:spPr/>
+        <p:txBody>
+          <a:bodyPr/>
+          <a:lstStyle/>
+          <a:p>
+            <a:r>
+              <a:rPr lang="en-US" altLang="zh-TW" b="1" dirty="0"/>
+              <a:t>Submission</a:t>
+            </a:r>
+            <a:endParaRPr lang="zh-TW" altLang="en-US" b="1" dirty="0"/>
+          </a:p>
+        </p:txBody>
+      </p:sp>
+      <p:sp>
+        <p:nvSpPr>
+          <p:cNvPr id="3" name="內容版面配置區 2">
+            <a:extLst>
+              <a:ext uri="{FF2B5EF4-FFF2-40B4-BE49-F238E27FC236}">
+                <a16:creationId xmlns:a16="http://schemas.microsoft.com/office/drawing/2014/main" id="{B3CF14F2-C8BA-413B-A98F-D862B22808E2}"/>
+              </a:ext>
+            </a:extLst>
+          </p:cNvPr>
+          <p:cNvSpPr>
+            <a:spLocks noGrp="1"/>
+          </p:cNvSpPr>
+          <p:nvPr>
+            <p:ph idx="1"/>
+          </p:nvPr>
+        </p:nvSpPr>
+        <p:spPr/>
+        <p:txBody>
+          <a:bodyPr>
+            <a:normAutofit lnSpcReduction="10000"/>
+          </a:bodyPr>
+          <a:lstStyle/>
+          <a:p>
+            <a:pPr fontAlgn="base"/>
+            <a:r>
+              <a:rPr lang="en-US" altLang="zh-TW" b="1" dirty="0"/>
+              <a:t>Please submit the following files to {NTHU </a:t>
+            </a:r>
+            <a:r>
+              <a:rPr lang="en-US" altLang="zh-TW" b="1" dirty="0" err="1"/>
+              <a:t>eeclass</a:t>
+            </a:r>
+            <a:r>
+              <a:rPr lang="en-US" altLang="zh-TW" b="1" dirty="0"/>
+              <a:t> / NTU COOL / NYCU E3} </a:t>
+            </a:r>
+          </a:p>
+          <a:p>
+            <a:pPr lvl="1" fontAlgn="base"/>
+            <a:r>
+              <a:rPr lang="en-US" altLang="zh-TW" b="1" dirty="0" err="1"/>
+              <a:t>hls</a:t>
+            </a:r>
+            <a:r>
+              <a:rPr lang="en-US" altLang="zh-TW" b="1" dirty="0"/>
+              <a:t> code</a:t>
+            </a:r>
+            <a:r>
+              <a:rPr lang="zh-TW" altLang="en-US" b="1" dirty="0"/>
+              <a:t> </a:t>
+            </a:r>
+            <a:r>
+              <a:rPr lang="en-US" altLang="zh-TW" b="1" dirty="0"/>
+              <a:t>of 02_edgedetect_fsic</a:t>
+            </a:r>
+          </a:p>
+          <a:p>
+            <a:pPr lvl="1" fontAlgn="base"/>
+            <a:r>
+              <a:rPr lang="en-US" altLang="zh-TW" b="1" dirty="0"/>
+              <a:t>C simulation log </a:t>
+            </a:r>
+          </a:p>
+          <a:p>
+            <a:pPr lvl="1" fontAlgn="base"/>
+            <a:r>
+              <a:rPr lang="en-US" altLang="zh-TW" b="1" dirty="0"/>
+              <a:t>Synthesis report of hardware design </a:t>
+            </a:r>
+          </a:p>
+          <a:p>
+            <a:pPr lvl="2" fontAlgn="base"/>
+            <a:r>
+              <a:rPr lang="en-US" altLang="zh-TW" b="1" dirty="0"/>
+              <a:t>Screen shot of table in catapult (including general, run time, memory usage, timing, and area score)</a:t>
+            </a:r>
+          </a:p>
+          <a:p>
+            <a:pPr lvl="2" fontAlgn="base"/>
+            <a:r>
+              <a:rPr lang="en-US" altLang="zh-TW" b="1" dirty="0"/>
+              <a:t>The file of </a:t>
+            </a:r>
+            <a:r>
+              <a:rPr lang="en-US" altLang="zh-TW" b="1" dirty="0" err="1"/>
+              <a:t>rtl</a:t>
+            </a:r>
+            <a:r>
+              <a:rPr lang="en-US" altLang="zh-TW" b="1" dirty="0"/>
+              <a:t> report (</a:t>
+            </a:r>
+            <a:r>
+              <a:rPr lang="en-US" altLang="zh-TW" b="1" dirty="0" err="1"/>
+              <a:t>rtl.rpt</a:t>
+            </a:r>
+            <a:r>
+              <a:rPr lang="en-US" altLang="zh-TW" b="1" dirty="0"/>
+              <a:t>)</a:t>
+            </a:r>
+          </a:p>
+          <a:p>
+            <a:pPr lvl="1" fontAlgn="base"/>
+            <a:r>
+              <a:rPr lang="en-US" altLang="zh-TW" b="1" dirty="0" err="1"/>
+              <a:t>Questasim</a:t>
+            </a:r>
+            <a:r>
+              <a:rPr lang="en-US" altLang="zh-TW" b="1" dirty="0"/>
+              <a:t> simulation result</a:t>
+            </a:r>
+          </a:p>
+          <a:p>
+            <a:pPr lvl="1" fontAlgn="base"/>
+            <a:r>
+              <a:rPr lang="en-US" altLang="zh-TW" b="1" dirty="0" err="1"/>
+              <a:t>tcl</a:t>
+            </a:r>
+            <a:r>
+              <a:rPr lang="en-US" altLang="zh-TW" b="1" dirty="0"/>
+              <a:t> file generate by catapult (</a:t>
+            </a:r>
+            <a:r>
+              <a:rPr lang="en-US" altLang="zh-TW" b="1" dirty="0" err="1"/>
+              <a:t>directives.tcl</a:t>
+            </a:r>
+            <a:r>
+              <a:rPr lang="en-US" altLang="zh-TW" b="1" dirty="0"/>
+              <a:t>)</a:t>
+            </a:r>
+          </a:p>
+          <a:p>
+            <a:pPr lvl="1" fontAlgn="base"/>
+            <a:r>
+              <a:rPr lang="en-US" altLang="zh-TW" b="1" dirty="0"/>
+              <a:t>Integrate to FSIC (</a:t>
+            </a:r>
+            <a:r>
+              <a:rPr lang="en-US" altLang="zh-TW" b="1" dirty="0" err="1"/>
+              <a:t>rtl</a:t>
+            </a:r>
+            <a:r>
+              <a:rPr lang="en-US" altLang="zh-TW" b="1" dirty="0"/>
+              <a:t> design and testbench)</a:t>
+            </a:r>
+          </a:p>
+          <a:p>
+            <a:pPr lvl="1" fontAlgn="base"/>
+            <a:r>
+              <a:rPr lang="en-US" altLang="zh-TW" b="1" dirty="0"/>
+              <a:t>Simulation result of FSIC</a:t>
+            </a:r>
+          </a:p>
+          <a:p>
+            <a:pPr lvl="1" fontAlgn="base"/>
+            <a:r>
+              <a:rPr lang="en-US" altLang="zh-TW" b="1" dirty="0"/>
+              <a:t>report_StudentID.pdf (Describe the 5 modification made)</a:t>
+            </a:r>
+          </a:p>
+          <a:p>
+            <a:pPr lvl="1" fontAlgn="base"/>
+            <a:r>
+              <a:rPr lang="en-US" altLang="zh-TW" b="1" dirty="0">
+                <a:solidFill>
+                  <a:srgbClr val="FF0000"/>
+                </a:solidFill>
+              </a:rPr>
+              <a:t>Github_link.txt</a:t>
+            </a:r>
+          </a:p>
+        </p:txBody>
+      </p:sp>
+      <p:sp>
+        <p:nvSpPr>
+          <p:cNvPr id="4" name="矩形 3">
+            <a:extLst>
+              <a:ext uri="{FF2B5EF4-FFF2-40B4-BE49-F238E27FC236}">
+                <a16:creationId xmlns:a16="http://schemas.microsoft.com/office/drawing/2014/main" id="{311FAE7D-9F0B-4DDF-BDE6-67DFD077B3B5}"/>
+              </a:ext>
+            </a:extLst>
+          </p:cNvPr>
+          <p:cNvSpPr/>
+          <p:nvPr/>
+        </p:nvSpPr>
+        <p:spPr>
+          <a:xfrm>
+            <a:off x="838200" y="5798856"/>
+            <a:ext cx="10515600" cy="369332"/>
+          </a:xfrm>
+          <a:prstGeom prst="rect">
+            <a:avLst/>
+          </a:prstGeom>
+        </p:spPr>
+        <p:txBody>
+          <a:bodyPr wrap="square">
+            <a:spAutoFit/>
+          </a:bodyPr>
+          <a:lstStyle/>
+          <a:p>
+            <a:r>
+              <a:rPr lang="en-US" altLang="zh-TW" b="1" dirty="0">
+                <a:solidFill>
+                  <a:srgbClr val="FF0000"/>
+                </a:solidFill>
+              </a:rPr>
+              <a:t>Note: Since the authorization of these lab content, don’t upload the file which is not mentioned above. </a:t>
+            </a:r>
+          </a:p>
+        </p:txBody>
+      </p:sp>
+    </p:spTree>
+    <p:extLst>
+      <p:ext uri="{BB962C8B-B14F-4D97-AF65-F5344CB8AC3E}">
+        <p14:creationId xmlns:p14="http://schemas.microsoft.com/office/powerpoint/2010/main" val="3667964837"/>
+      </p:ext>
+    </p:extLst>
+  </p:cSld>
+  <p:clrMapOvr>
+    <a:masterClrMapping/>
+  </p:clrMapOvr>
+</p:sld>
+</file>
+
+<file path=ppt/slides/slide18.xml><?xml version="1.0" encoding="utf-8"?>
+<p:sld xmlns:a="http://schemas.openxmlformats.org/drawingml/2006/main" xmlns:r="http://schemas.openxmlformats.org/officeDocument/2006/relationships" xmlns:p="http://schemas.openxmlformats.org/presentationml/2006/main">
+  <p:cSld>
+    <p:spTree>
+      <p:nvGrpSpPr>
+        <p:cNvPr id="1" name=""/>
+        <p:cNvGrpSpPr/>
+        <p:nvPr/>
+      </p:nvGrpSpPr>
+      <p:grpSpPr>
+        <a:xfrm>
+          <a:off x="0" y="0"/>
+          <a:ext cx="0" cy="0"/>
+          <a:chOff x="0" y="0"/>
+          <a:chExt cx="0" cy="0"/>
+        </a:xfrm>
+      </p:grpSpPr>
+      <p:sp>
+        <p:nvSpPr>
+          <p:cNvPr id="2" name="標題 1">
+            <a:extLst>
+              <a:ext uri="{FF2B5EF4-FFF2-40B4-BE49-F238E27FC236}">
                 <a16:creationId xmlns:a16="http://schemas.microsoft.com/office/drawing/2014/main" id="{A5C16284-1859-4267-B6E9-0D905FA69BD0}"/>
               </a:ext>
             </a:extLst>
@@ -4844,7 +5222,7 @@
           <a:p>
             <a:r>
               <a:rPr lang="en-US" altLang="zh-TW" b="1" dirty="0"/>
-              <a:t>How you design your work</a:t>
+              <a:t>How you design your work ( 5 modifications) </a:t>
             </a:r>
           </a:p>
           <a:p>
@@ -5285,6 +5663,128 @@
       </p:grpSpPr>
       <p:sp>
         <p:nvSpPr>
+          <p:cNvPr id="2" name="Title 1"/>
+          <p:cNvSpPr>
+            <a:spLocks noGrp="1"/>
+          </p:cNvSpPr>
+          <p:nvPr>
+            <p:ph type="title"/>
+          </p:nvPr>
+        </p:nvSpPr>
+        <p:spPr/>
+        <p:txBody>
+          <a:bodyPr/>
+          <a:lstStyle/>
+          <a:p>
+            <a:r>
+              <a:rPr lang="en-US" dirty="0"/>
+              <a:t>Lab1-fir work</a:t>
+            </a:r>
+          </a:p>
+        </p:txBody>
+      </p:sp>
+      <p:sp>
+        <p:nvSpPr>
+          <p:cNvPr id="3" name="Content Placeholder 2"/>
+          <p:cNvSpPr>
+            <a:spLocks noGrp="1"/>
+          </p:cNvSpPr>
+          <p:nvPr>
+            <p:ph idx="1"/>
+          </p:nvPr>
+        </p:nvSpPr>
+        <p:spPr/>
+        <p:txBody>
+          <a:bodyPr/>
+          <a:lstStyle/>
+          <a:p>
+            <a:r>
+              <a:rPr lang="en-US" dirty="0"/>
+              <a:t>3 subdirectory</a:t>
+            </a:r>
+          </a:p>
+          <a:p>
+            <a:pPr lvl="1"/>
+            <a:r>
+              <a:rPr lang="en-US" dirty="0"/>
+              <a:t>Walkthrough</a:t>
+            </a:r>
+          </a:p>
+          <a:p>
+            <a:pPr lvl="1"/>
+            <a:r>
+              <a:rPr lang="en-US" dirty="0"/>
+              <a:t>Memory</a:t>
+            </a:r>
+          </a:p>
+          <a:p>
+            <a:pPr lvl="1"/>
+            <a:r>
+              <a:rPr lang="en-US" dirty="0" err="1"/>
+              <a:t>Multblk</a:t>
+            </a:r>
+            <a:endParaRPr lang="en-US" dirty="0"/>
+          </a:p>
+          <a:p>
+            <a:r>
+              <a:rPr lang="en-US" dirty="0"/>
+              <a:t>Work content</a:t>
+            </a:r>
+          </a:p>
+          <a:p>
+            <a:pPr lvl="1"/>
+            <a:r>
+              <a:rPr lang="en-US" dirty="0"/>
+              <a:t>Run through the example – make</a:t>
+            </a:r>
+          </a:p>
+          <a:p>
+            <a:pPr lvl="1"/>
+            <a:r>
+              <a:rPr lang="en-US" dirty="0"/>
+              <a:t>Study the HLS code to understand the catapult HLS</a:t>
+            </a:r>
+          </a:p>
+          <a:p>
+            <a:pPr marL="457200" lvl="1" indent="0">
+              <a:buNone/>
+            </a:pPr>
+            <a:endParaRPr lang="en-US" dirty="0"/>
+          </a:p>
+        </p:txBody>
+      </p:sp>
+    </p:spTree>
+    <p:extLst>
+      <p:ext uri="{BB962C8B-B14F-4D97-AF65-F5344CB8AC3E}">
+        <p14:creationId xmlns:p14="http://schemas.microsoft.com/office/powerpoint/2010/main" val="2592408509"/>
+      </p:ext>
+    </p:extLst>
+  </p:cSld>
+  <p:clrMapOvr>
+    <a:masterClrMapping/>
+  </p:clrMapOvr>
+</p:sld>
+</file>
+
+<file path=ppt/slides/slide6.xml><?xml version="1.0" encoding="utf-8"?>
+<p:sld xmlns:a="http://schemas.openxmlformats.org/drawingml/2006/main" xmlns:r="http://schemas.openxmlformats.org/officeDocument/2006/relationships" xmlns:p="http://schemas.openxmlformats.org/presentationml/2006/main">
+  <p:cSld>
+    <p:spTree>
+      <p:nvGrpSpPr>
+        <p:cNvPr id="1" name=""/>
+        <p:cNvGrpSpPr/>
+        <p:nvPr/>
+      </p:nvGrpSpPr>
+      <p:grpSpPr>
+        <a:xfrm>
+          <a:off x="0" y="0"/>
+          <a:ext cx="0" cy="0"/>
+          <a:chOff x="0" y="0"/>
+          <a:chExt cx="0" cy="0"/>
+        </a:xfrm>
+      </p:grpSpPr>
+      <p:sp>
+        <p:nvSpPr>
           <p:cNvPr id="2" name="標題 1">
             <a:extLst>
               <a:ext uri="{FF2B5EF4-FFF2-40B4-BE49-F238E27FC236}">
@@ -5357,7 +5857,7 @@
 </p:sld>
 </file>
 
-<file path=ppt/slides/slide6.xml><?xml version="1.0" encoding="utf-8"?>
+<file path=ppt/slides/slide7.xml><?xml version="1.0" encoding="utf-8"?>
 <p:sld xmlns:a="http://schemas.openxmlformats.org/drawingml/2006/main" xmlns:r="http://schemas.openxmlformats.org/officeDocument/2006/relationships" xmlns:p="http://schemas.openxmlformats.org/presentationml/2006/main">
   <p:cSld>
     <p:spTree>
@@ -5453,7 +5953,7 @@
 </p:sld>
 </file>
 
-<file path=ppt/slides/slide7.xml><?xml version="1.0" encoding="utf-8"?>
+<file path=ppt/slides/slide8.xml><?xml version="1.0" encoding="utf-8"?>
 <p:sld xmlns:a="http://schemas.openxmlformats.org/drawingml/2006/main" xmlns:r="http://schemas.openxmlformats.org/officeDocument/2006/relationships" xmlns:p="http://schemas.openxmlformats.org/presentationml/2006/main">
   <p:cSld>
     <p:spTree>
@@ -5544,216 +6044,6 @@
 </p:sld>
 </file>
 
-<file path=ppt/slides/slide8.xml><?xml version="1.0" encoding="utf-8"?>
-<p:sld xmlns:a="http://schemas.openxmlformats.org/drawingml/2006/main" xmlns:r="http://schemas.openxmlformats.org/officeDocument/2006/relationships" xmlns:p="http://schemas.openxmlformats.org/presentationml/2006/main">
-  <p:cSld>
-    <p:spTree>
-      <p:nvGrpSpPr>
-        <p:cNvPr id="1" name=""/>
-        <p:cNvGrpSpPr/>
-        <p:nvPr/>
-      </p:nvGrpSpPr>
-      <p:grpSpPr>
-        <a:xfrm>
-          <a:off x="0" y="0"/>
-          <a:ext cx="0" cy="0"/>
-          <a:chOff x="0" y="0"/>
-          <a:chExt cx="0" cy="0"/>
-        </a:xfrm>
-      </p:grpSpPr>
-      <p:sp>
-        <p:nvSpPr>
-          <p:cNvPr id="2" name="標題 1">
-            <a:extLst>
-              <a:ext uri="{FF2B5EF4-FFF2-40B4-BE49-F238E27FC236}">
-                <a16:creationId xmlns:a16="http://schemas.microsoft.com/office/drawing/2014/main" id="{5B3A7DB5-0978-445F-BF54-6A159DC1B2EF}"/>
-              </a:ext>
-            </a:extLst>
-          </p:cNvPr>
-          <p:cNvSpPr>
-            <a:spLocks noGrp="1"/>
-          </p:cNvSpPr>
-          <p:nvPr>
-            <p:ph type="title"/>
-          </p:nvPr>
-        </p:nvSpPr>
-        <p:spPr/>
-        <p:txBody>
-          <a:bodyPr/>
-          <a:lstStyle/>
-          <a:p>
-            <a:r>
-              <a:rPr lang="en-US" altLang="zh-TW" b="1" dirty="0"/>
-              <a:t>Lab work - Few Modifications of Original </a:t>
-            </a:r>
-            <a:r>
-              <a:rPr lang="en-US" altLang="zh-TW" b="1" dirty="0" err="1"/>
-              <a:t>EdgeDetect</a:t>
-            </a:r>
-            <a:endParaRPr lang="zh-TW" altLang="en-US" dirty="0"/>
-          </a:p>
-        </p:txBody>
-      </p:sp>
-      <p:sp>
-        <p:nvSpPr>
-          <p:cNvPr id="3" name="內容版面配置區 2">
-            <a:extLst>
-              <a:ext uri="{FF2B5EF4-FFF2-40B4-BE49-F238E27FC236}">
-                <a16:creationId xmlns:a16="http://schemas.microsoft.com/office/drawing/2014/main" id="{0C48A88B-3026-4A84-910A-ADB299AB5F4A}"/>
-              </a:ext>
-            </a:extLst>
-          </p:cNvPr>
-          <p:cNvSpPr>
-            <a:spLocks noGrp="1"/>
-          </p:cNvSpPr>
-          <p:nvPr>
-            <p:ph idx="1"/>
-          </p:nvPr>
-        </p:nvSpPr>
-        <p:spPr/>
-        <p:txBody>
-          <a:bodyPr/>
-          <a:lstStyle/>
-          <a:p>
-            <a:r>
-              <a:rPr lang="en-US" altLang="zh-TW" b="1" dirty="0"/>
-              <a:t>Process four pixels per clock cycle.</a:t>
-            </a:r>
-          </a:p>
-          <a:p>
-            <a:pPr lvl="1"/>
-            <a:r>
-              <a:rPr lang="en-US" altLang="zh-TW" b="1" dirty="0">
-                <a:solidFill>
-                  <a:srgbClr val="0000FF"/>
-                </a:solidFill>
-              </a:rPr>
-              <a:t>Change input data type to compress four 8-bit pixels data read in one read cycle.</a:t>
-            </a:r>
-          </a:p>
-          <a:p>
-            <a:r>
-              <a:rPr lang="en-US" altLang="zh-TW" b="1" dirty="0"/>
-              <a:t>Use sum of absolute difference (SAD) for edge magnitude calculation.</a:t>
-            </a:r>
-          </a:p>
-          <a:p>
-            <a:pPr lvl="1"/>
-            <a:r>
-              <a:rPr lang="en-US" altLang="zh-TW" b="1" dirty="0">
-                <a:solidFill>
-                  <a:srgbClr val="0000FF"/>
-                </a:solidFill>
-              </a:rPr>
-              <a:t>Originally, we use square root in sample code.</a:t>
-            </a:r>
-          </a:p>
-          <a:p>
-            <a:r>
-              <a:rPr lang="en-US" altLang="zh-TW" b="1" dirty="0"/>
-              <a:t>Add two crc32 calculation on image input / output.</a:t>
-            </a:r>
-          </a:p>
-          <a:p>
-            <a:pPr lvl="1"/>
-            <a:r>
-              <a:rPr lang="en-US" altLang="zh-TW" b="1" dirty="0">
-                <a:solidFill>
-                  <a:srgbClr val="0000FF"/>
-                </a:solidFill>
-              </a:rPr>
-              <a:t>We will provide you the crc32 code, you need to use it in your design.</a:t>
-            </a:r>
-          </a:p>
-          <a:p>
-            <a:r>
-              <a:rPr lang="en-US" altLang="zh-TW" b="1" dirty="0"/>
-              <a:t>Select the output source from input image or the calculated magnitude.</a:t>
-            </a:r>
-          </a:p>
-          <a:p>
-            <a:pPr lvl="1"/>
-            <a:r>
-              <a:rPr lang="en-US" altLang="zh-TW" b="1" dirty="0">
-                <a:solidFill>
-                  <a:srgbClr val="0000FF"/>
-                </a:solidFill>
-              </a:rPr>
-              <a:t>Add mux on the top of design.</a:t>
-            </a:r>
-          </a:p>
-          <a:p>
-            <a:r>
-              <a:rPr lang="en-US" altLang="zh-TW" b="1" dirty="0"/>
-              <a:t>Remove the angle calculation.</a:t>
-            </a:r>
-          </a:p>
-          <a:p>
-            <a:r>
-              <a:rPr lang="en-US" altLang="zh-TW" b="1" dirty="0">
-                <a:solidFill>
-                  <a:srgbClr val="FF0000"/>
-                </a:solidFill>
-              </a:rPr>
-              <a:t>Integrate your edge detect into FSIC</a:t>
-            </a:r>
-            <a:endParaRPr lang="zh-TW" altLang="en-US" b="1" dirty="0">
-              <a:solidFill>
-                <a:srgbClr val="FF0000"/>
-              </a:solidFill>
-            </a:endParaRPr>
-          </a:p>
-        </p:txBody>
-      </p:sp>
-      <p:sp>
-        <p:nvSpPr>
-          <p:cNvPr id="4" name="文字方塊 3">
-            <a:extLst>
-              <a:ext uri="{FF2B5EF4-FFF2-40B4-BE49-F238E27FC236}">
-                <a16:creationId xmlns:a16="http://schemas.microsoft.com/office/drawing/2014/main" id="{CC6C93B8-4D57-4E7D-8A9E-70938E32721D}"/>
-              </a:ext>
-            </a:extLst>
-          </p:cNvPr>
-          <p:cNvSpPr txBox="1"/>
-          <p:nvPr/>
-        </p:nvSpPr>
-        <p:spPr>
-          <a:xfrm>
-            <a:off x="1884013" y="6304911"/>
-            <a:ext cx="8423973" cy="369332"/>
-          </a:xfrm>
-          <a:prstGeom prst="rect">
-            <a:avLst/>
-          </a:prstGeom>
-          <a:noFill/>
-        </p:spPr>
-        <p:txBody>
-          <a:bodyPr wrap="none" rtlCol="0">
-            <a:spAutoFit/>
-          </a:bodyPr>
-          <a:lstStyle/>
-          <a:p>
-            <a:r>
-              <a:rPr lang="en-US" altLang="zh-TW" dirty="0"/>
-              <a:t>About four pixels per clock cycle, you can check the file “hls_bluebook.pdf” page 102. </a:t>
-            </a:r>
-            <a:endParaRPr lang="zh-TW" altLang="en-US" dirty="0"/>
-          </a:p>
-        </p:txBody>
-      </p:sp>
-    </p:spTree>
-    <p:extLst>
-      <p:ext uri="{BB962C8B-B14F-4D97-AF65-F5344CB8AC3E}">
-        <p14:creationId xmlns:p14="http://schemas.microsoft.com/office/powerpoint/2010/main" val="3622376391"/>
-      </p:ext>
-    </p:extLst>
-  </p:cSld>
-  <p:clrMapOvr>
-    <a:masterClrMapping/>
-  </p:clrMapOvr>
-</p:sld>
-</file>
-
 <file path=ppt/slides/slide9.xml><?xml version="1.0" encoding="utf-8"?>
 <p:sld xmlns:a="http://schemas.openxmlformats.org/drawingml/2006/main" xmlns:r="http://schemas.openxmlformats.org/officeDocument/2006/relationships" xmlns:p="http://schemas.openxmlformats.org/presentationml/2006/main">
   <p:cSld>
@@ -5773,13 +6063,7 @@
       </p:grpSpPr>
       <p:sp>
         <p:nvSpPr>
-          <p:cNvPr id="2" name="標題 1">
-            <a:extLst>
-              <a:ext uri="{FF2B5EF4-FFF2-40B4-BE49-F238E27FC236}">
-                <a16:creationId xmlns:a16="http://schemas.microsoft.com/office/drawing/2014/main" id="{8B223015-88EB-4508-8F7C-6D2AC760E077}"/>
-              </a:ext>
-            </a:extLst>
-          </p:cNvPr>
+          <p:cNvPr id="2" name="Title 1"/>
           <p:cNvSpPr>
             <a:spLocks noGrp="1"/>
           </p:cNvSpPr>
@@ -5789,36 +6073,98 @@
         </p:nvSpPr>
         <p:spPr/>
         <p:txBody>
-          <a:bodyPr/>
-          <a:lstStyle/>
-          <a:p>
-            <a:r>
-              <a:rPr lang="en-US" altLang="zh-TW" u="sng" dirty="0"/>
-              <a:t>Modified top design in 02_edgedetect_fsic (for your reference</a:t>
-            </a:r>
-            <a:r>
-              <a:rPr lang="en-US" altLang="zh-TW" dirty="0"/>
-              <a:t>)</a:t>
-            </a:r>
-            <a:endParaRPr lang="zh-TW" altLang="en-US" dirty="0"/>
+          <a:bodyPr>
+            <a:normAutofit/>
+          </a:bodyPr>
+          <a:lstStyle/>
+          <a:p>
+            <a:r>
+              <a:rPr lang="en-US" dirty="0"/>
+              <a:t>Folder Structure</a:t>
+            </a:r>
+          </a:p>
+        </p:txBody>
+      </p:sp>
+      <p:sp>
+        <p:nvSpPr>
+          <p:cNvPr id="3" name="Content Placeholder 2"/>
+          <p:cNvSpPr>
+            <a:spLocks noGrp="1"/>
+          </p:cNvSpPr>
+          <p:nvPr>
+            <p:ph idx="1"/>
+          </p:nvPr>
+        </p:nvSpPr>
+        <p:spPr/>
+        <p:txBody>
+          <a:bodyPr>
+            <a:normAutofit/>
+          </a:bodyPr>
+          <a:lstStyle/>
+          <a:p>
+            <a:r>
+              <a:rPr lang="en-US" dirty="0"/>
+              <a:t>01_edge_detect </a:t>
+            </a:r>
+          </a:p>
+          <a:p>
+            <a:endParaRPr lang="en-US" dirty="0"/>
+          </a:p>
+          <a:p>
+            <a:endParaRPr lang="en-US" dirty="0"/>
+          </a:p>
+          <a:p>
+            <a:r>
+              <a:rPr lang="en-US" dirty="0"/>
+              <a:t>02_edgedetect_fsic </a:t>
+            </a:r>
+          </a:p>
+          <a:p>
+            <a:pPr marL="0" indent="0">
+              <a:buNone/>
+            </a:pPr>
+            <a:endParaRPr lang="en-US" dirty="0"/>
+          </a:p>
+          <a:p>
+            <a:pPr marL="0" indent="0">
+              <a:buNone/>
+            </a:pPr>
+            <a:endParaRPr lang="en-US" dirty="0"/>
+          </a:p>
+          <a:p>
+            <a:pPr marL="0" indent="0">
+              <a:buNone/>
+            </a:pPr>
+            <a:endParaRPr lang="en-US" dirty="0"/>
+          </a:p>
+          <a:p>
+            <a:r>
+              <a:rPr lang="en-US" dirty="0"/>
+              <a:t>03_fsic_prj</a:t>
+            </a:r>
+          </a:p>
+          <a:p>
+            <a:pPr lvl="1"/>
+            <a:r>
+              <a:rPr lang="en-US" dirty="0"/>
+              <a:t>Testbench is provided</a:t>
+            </a:r>
           </a:p>
         </p:txBody>
       </p:sp>
       <p:pic>
         <p:nvPicPr>
-          <p:cNvPr id="4" name="內容版面配置區 3">
-            <a:extLst>
-              <a:ext uri="{FF2B5EF4-FFF2-40B4-BE49-F238E27FC236}">
-                <a16:creationId xmlns:a16="http://schemas.microsoft.com/office/drawing/2014/main" id="{F517E805-1DDF-4359-91AD-A658BFD6BCE2}"/>
+          <p:cNvPr id="4" name="圖片 3">
+            <a:extLst>
+              <a:ext uri="{FF2B5EF4-FFF2-40B4-BE49-F238E27FC236}">
+                <a16:creationId xmlns:a16="http://schemas.microsoft.com/office/drawing/2014/main" id="{FA3E6565-BF44-456A-B3BD-FA7823BA5E63}"/>
               </a:ext>
             </a:extLst>
           </p:cNvPr>
           <p:cNvPicPr>
-            <a:picLocks noGrp="1" noChangeAspect="1"/>
+            <a:picLocks noChangeAspect="1"/>
           </p:cNvPicPr>
-          <p:nvPr>
-            <p:ph idx="1"/>
-          </p:nvPr>
+          <p:nvPr/>
         </p:nvPicPr>
         <p:blipFill>
           <a:blip r:embed="rId2"/>
@@ -5828,18 +6174,375 @@
         </p:blipFill>
         <p:spPr>
           <a:xfrm>
-            <a:off x="2019883" y="924718"/>
-            <a:ext cx="8152234" cy="5008563"/>
+            <a:off x="3900181" y="1314021"/>
+            <a:ext cx="2314898" cy="1495634"/>
           </a:xfrm>
           <a:prstGeom prst="rect">
             <a:avLst/>
           </a:prstGeom>
         </p:spPr>
       </p:pic>
+      <p:pic>
+        <p:nvPicPr>
+          <p:cNvPr id="5" name="圖片 4">
+            <a:extLst>
+              <a:ext uri="{FF2B5EF4-FFF2-40B4-BE49-F238E27FC236}">
+                <a16:creationId xmlns:a16="http://schemas.microsoft.com/office/drawing/2014/main" id="{D07D4071-673B-4374-B84E-8FC5B84E5975}"/>
+              </a:ext>
+            </a:extLst>
+          </p:cNvPr>
+          <p:cNvPicPr>
+            <a:picLocks noChangeAspect="1"/>
+          </p:cNvPicPr>
+          <p:nvPr/>
+        </p:nvPicPr>
+        <p:blipFill>
+          <a:blip r:embed="rId3"/>
+          <a:stretch>
+            <a:fillRect/>
+          </a:stretch>
+        </p:blipFill>
+        <p:spPr>
+          <a:xfrm>
+            <a:off x="3889641" y="3086688"/>
+            <a:ext cx="2076740" cy="1619476"/>
+          </a:xfrm>
+          <a:prstGeom prst="rect">
+            <a:avLst/>
+          </a:prstGeom>
+        </p:spPr>
+      </p:pic>
+      <p:pic>
+        <p:nvPicPr>
+          <p:cNvPr id="6" name="圖片 5">
+            <a:extLst>
+              <a:ext uri="{FF2B5EF4-FFF2-40B4-BE49-F238E27FC236}">
+                <a16:creationId xmlns:a16="http://schemas.microsoft.com/office/drawing/2014/main" id="{163FD0EF-8BE1-4106-897E-8444358BEAE6}"/>
+              </a:ext>
+            </a:extLst>
+          </p:cNvPr>
+          <p:cNvPicPr>
+            <a:picLocks noChangeAspect="1"/>
+          </p:cNvPicPr>
+          <p:nvPr/>
+        </p:nvPicPr>
+        <p:blipFill>
+          <a:blip r:embed="rId4"/>
+          <a:stretch>
+            <a:fillRect/>
+          </a:stretch>
+        </p:blipFill>
+        <p:spPr>
+          <a:xfrm>
+            <a:off x="6220997" y="3111284"/>
+            <a:ext cx="1390844" cy="552527"/>
+          </a:xfrm>
+          <a:prstGeom prst="rect">
+            <a:avLst/>
+          </a:prstGeom>
+        </p:spPr>
+      </p:pic>
+      <p:sp>
+        <p:nvSpPr>
+          <p:cNvPr id="7" name="矩形 6">
+            <a:extLst>
+              <a:ext uri="{FF2B5EF4-FFF2-40B4-BE49-F238E27FC236}">
+                <a16:creationId xmlns:a16="http://schemas.microsoft.com/office/drawing/2014/main" id="{64F739C2-CEDE-4BF5-A0EF-815EABD1C633}"/>
+              </a:ext>
+            </a:extLst>
+          </p:cNvPr>
+          <p:cNvSpPr/>
+          <p:nvPr/>
+        </p:nvSpPr>
+        <p:spPr>
+          <a:xfrm>
+            <a:off x="3994951" y="3941683"/>
+            <a:ext cx="674703" cy="277909"/>
+          </a:xfrm>
+          <a:prstGeom prst="rect">
+            <a:avLst/>
+          </a:prstGeom>
+          <a:noFill/>
+          <a:ln w="28575">
+            <a:solidFill>
+              <a:srgbClr val="FF0000"/>
+            </a:solidFill>
+          </a:ln>
+        </p:spPr>
+        <p:style>
+          <a:lnRef idx="2">
+            <a:schemeClr val="accent1">
+              <a:shade val="50000"/>
+            </a:schemeClr>
+          </a:lnRef>
+          <a:fillRef idx="1">
+            <a:schemeClr val="accent1"/>
+          </a:fillRef>
+          <a:effectRef idx="0">
+            <a:schemeClr val="accent1"/>
+          </a:effectRef>
+          <a:fontRef idx="minor">
+            <a:schemeClr val="lt1"/>
+          </a:fontRef>
+        </p:style>
+        <p:txBody>
+          <a:bodyPr rtlCol="0" anchor="ctr"/>
+          <a:lstStyle/>
+          <a:p>
+            <a:pPr algn="ctr"/>
+            <a:endParaRPr lang="zh-TW" altLang="en-US"/>
+          </a:p>
+        </p:txBody>
+      </p:sp>
+      <p:sp>
+        <p:nvSpPr>
+          <p:cNvPr id="8" name="矩形 7">
+            <a:extLst>
+              <a:ext uri="{FF2B5EF4-FFF2-40B4-BE49-F238E27FC236}">
+                <a16:creationId xmlns:a16="http://schemas.microsoft.com/office/drawing/2014/main" id="{C93655FE-0618-4EE3-928B-A6725668BAEA}"/>
+              </a:ext>
+            </a:extLst>
+          </p:cNvPr>
+          <p:cNvSpPr/>
+          <p:nvPr/>
+        </p:nvSpPr>
+        <p:spPr>
+          <a:xfrm>
+            <a:off x="6250589" y="3156968"/>
+            <a:ext cx="460929" cy="177555"/>
+          </a:xfrm>
+          <a:prstGeom prst="rect">
+            <a:avLst/>
+          </a:prstGeom>
+          <a:noFill/>
+          <a:ln w="28575">
+            <a:solidFill>
+              <a:srgbClr val="FF0000"/>
+            </a:solidFill>
+          </a:ln>
+        </p:spPr>
+        <p:style>
+          <a:lnRef idx="2">
+            <a:schemeClr val="accent1">
+              <a:shade val="50000"/>
+            </a:schemeClr>
+          </a:lnRef>
+          <a:fillRef idx="1">
+            <a:schemeClr val="accent1"/>
+          </a:fillRef>
+          <a:effectRef idx="0">
+            <a:schemeClr val="accent1"/>
+          </a:effectRef>
+          <a:fontRef idx="minor">
+            <a:schemeClr val="lt1"/>
+          </a:fontRef>
+        </p:style>
+        <p:txBody>
+          <a:bodyPr rtlCol="0" anchor="ctr"/>
+          <a:lstStyle/>
+          <a:p>
+            <a:pPr algn="ctr"/>
+            <a:endParaRPr lang="zh-TW" altLang="en-US"/>
+          </a:p>
+        </p:txBody>
+      </p:sp>
+      <p:sp>
+        <p:nvSpPr>
+          <p:cNvPr id="9" name="文字方塊 8">
+            <a:extLst>
+              <a:ext uri="{FF2B5EF4-FFF2-40B4-BE49-F238E27FC236}">
+                <a16:creationId xmlns:a16="http://schemas.microsoft.com/office/drawing/2014/main" id="{5B4E8E86-FA3F-477E-9F50-E1BC2D71C07A}"/>
+              </a:ext>
+            </a:extLst>
+          </p:cNvPr>
+          <p:cNvSpPr txBox="1"/>
+          <p:nvPr/>
+        </p:nvSpPr>
+        <p:spPr>
+          <a:xfrm>
+            <a:off x="6172199" y="3573261"/>
+            <a:ext cx="4223552" cy="646331"/>
+          </a:xfrm>
+          <a:prstGeom prst="rect">
+            <a:avLst/>
+          </a:prstGeom>
+          <a:noFill/>
+        </p:spPr>
+        <p:txBody>
+          <a:bodyPr wrap="square" rtlCol="0">
+            <a:spAutoFit/>
+          </a:bodyPr>
+          <a:lstStyle/>
+          <a:p>
+            <a:r>
+              <a:rPr lang="en-US" altLang="zh-TW" dirty="0"/>
+              <a:t>Generate it on your own </a:t>
+            </a:r>
+          </a:p>
+          <a:p>
+            <a:r>
+              <a:rPr lang="en-US" altLang="zh-TW" dirty="0"/>
+              <a:t>(modify the code base on 01_edge_detect)</a:t>
+            </a:r>
+            <a:endParaRPr lang="zh-TW" altLang="en-US" dirty="0"/>
+          </a:p>
+        </p:txBody>
+      </p:sp>
+      <p:pic>
+        <p:nvPicPr>
+          <p:cNvPr id="11" name="圖片 10">
+            <a:extLst>
+              <a:ext uri="{FF2B5EF4-FFF2-40B4-BE49-F238E27FC236}">
+                <a16:creationId xmlns:a16="http://schemas.microsoft.com/office/drawing/2014/main" id="{FC2E5011-1C0B-4047-946D-2B190A409E7B}"/>
+              </a:ext>
+            </a:extLst>
+          </p:cNvPr>
+          <p:cNvPicPr>
+            <a:picLocks noChangeAspect="1"/>
+          </p:cNvPicPr>
+          <p:nvPr/>
+        </p:nvPicPr>
+        <p:blipFill>
+          <a:blip r:embed="rId5"/>
+          <a:stretch>
+            <a:fillRect/>
+          </a:stretch>
+        </p:blipFill>
+        <p:spPr>
+          <a:xfrm>
+            <a:off x="3934030" y="5698565"/>
+            <a:ext cx="1019317" cy="323895"/>
+          </a:xfrm>
+          <a:prstGeom prst="rect">
+            <a:avLst/>
+          </a:prstGeom>
+        </p:spPr>
+      </p:pic>
+      <p:pic>
+        <p:nvPicPr>
+          <p:cNvPr id="12" name="圖片 11">
+            <a:extLst>
+              <a:ext uri="{FF2B5EF4-FFF2-40B4-BE49-F238E27FC236}">
+                <a16:creationId xmlns:a16="http://schemas.microsoft.com/office/drawing/2014/main" id="{515681D9-DE11-452E-893B-C2F21715D408}"/>
+              </a:ext>
+            </a:extLst>
+          </p:cNvPr>
+          <p:cNvPicPr>
+            <a:picLocks noChangeAspect="1"/>
+          </p:cNvPicPr>
+          <p:nvPr/>
+        </p:nvPicPr>
+        <p:blipFill>
+          <a:blip r:embed="rId6"/>
+          <a:stretch>
+            <a:fillRect/>
+          </a:stretch>
+        </p:blipFill>
+        <p:spPr>
+          <a:xfrm>
+            <a:off x="5966381" y="5450815"/>
+            <a:ext cx="1438476" cy="714475"/>
+          </a:xfrm>
+          <a:prstGeom prst="rect">
+            <a:avLst/>
+          </a:prstGeom>
+        </p:spPr>
+      </p:pic>
+      <p:sp>
+        <p:nvSpPr>
+          <p:cNvPr id="13" name="矩形 12">
+            <a:extLst>
+              <a:ext uri="{FF2B5EF4-FFF2-40B4-BE49-F238E27FC236}">
+                <a16:creationId xmlns:a16="http://schemas.microsoft.com/office/drawing/2014/main" id="{AE530D14-770E-48CA-B109-8C88D4F20258}"/>
+              </a:ext>
+            </a:extLst>
+          </p:cNvPr>
+          <p:cNvSpPr/>
+          <p:nvPr/>
+        </p:nvSpPr>
+        <p:spPr>
+          <a:xfrm>
+            <a:off x="6004110" y="5525578"/>
+            <a:ext cx="674703" cy="277909"/>
+          </a:xfrm>
+          <a:prstGeom prst="rect">
+            <a:avLst/>
+          </a:prstGeom>
+          <a:noFill/>
+          <a:ln w="28575">
+            <a:solidFill>
+              <a:srgbClr val="FF0000"/>
+            </a:solidFill>
+          </a:ln>
+        </p:spPr>
+        <p:style>
+          <a:lnRef idx="2">
+            <a:schemeClr val="accent1">
+              <a:shade val="50000"/>
+            </a:schemeClr>
+          </a:lnRef>
+          <a:fillRef idx="1">
+            <a:schemeClr val="accent1"/>
+          </a:fillRef>
+          <a:effectRef idx="0">
+            <a:schemeClr val="accent1"/>
+          </a:effectRef>
+          <a:fontRef idx="minor">
+            <a:schemeClr val="lt1"/>
+          </a:fontRef>
+        </p:style>
+        <p:txBody>
+          <a:bodyPr rtlCol="0" anchor="ctr"/>
+          <a:lstStyle/>
+          <a:p>
+            <a:pPr algn="ctr"/>
+            <a:endParaRPr lang="zh-TW" altLang="en-US"/>
+          </a:p>
+        </p:txBody>
+      </p:sp>
+      <p:sp>
+        <p:nvSpPr>
+          <p:cNvPr id="14" name="矩形 13">
+            <a:extLst>
+              <a:ext uri="{FF2B5EF4-FFF2-40B4-BE49-F238E27FC236}">
+                <a16:creationId xmlns:a16="http://schemas.microsoft.com/office/drawing/2014/main" id="{38FB14BA-6652-4697-8B83-65355ABE4147}"/>
+              </a:ext>
+            </a:extLst>
+          </p:cNvPr>
+          <p:cNvSpPr/>
+          <p:nvPr/>
+        </p:nvSpPr>
+        <p:spPr>
+          <a:xfrm>
+            <a:off x="7019911" y="5450815"/>
+            <a:ext cx="1640193" cy="369332"/>
+          </a:xfrm>
+          <a:prstGeom prst="rect">
+            <a:avLst/>
+          </a:prstGeom>
+        </p:spPr>
+        <p:txBody>
+          <a:bodyPr wrap="none">
+            <a:spAutoFit/>
+          </a:bodyPr>
+          <a:lstStyle/>
+          <a:p>
+            <a:r>
+              <a:rPr lang="en-US" altLang="zh-TW" dirty="0"/>
+              <a:t>integrate to </a:t>
+            </a:r>
+            <a:r>
+              <a:rPr lang="en-US" altLang="zh-TW" dirty="0" err="1"/>
+              <a:t>fsic</a:t>
+            </a:r>
+            <a:endParaRPr lang="en-US" altLang="zh-TW" dirty="0"/>
+          </a:p>
+        </p:txBody>
+      </p:sp>
     </p:spTree>
     <p:extLst>
       <p:ext uri="{BB962C8B-B14F-4D97-AF65-F5344CB8AC3E}">
-        <p14:creationId xmlns:p14="http://schemas.microsoft.com/office/powerpoint/2010/main" val="2028349803"/>
+        <p14:creationId xmlns:p14="http://schemas.microsoft.com/office/powerpoint/2010/main" val="3069513817"/>
       </p:ext>
     </p:extLst>
   </p:cSld>

--- a/catapult_hls/lab_catapult_workbook.pptx
+++ b/catapult_hls/lab_catapult_workbook.pptx
@@ -5,7 +5,7 @@
     <p:sldMasterId id="2147483648" r:id="rId1"/>
   </p:sldMasterIdLst>
   <p:notesMasterIdLst>
-    <p:notesMasterId r:id="rId20"/>
+    <p:notesMasterId r:id="rId21"/>
   </p:notesMasterIdLst>
   <p:sldIdLst>
     <p:sldId id="259" r:id="rId2"/>
@@ -24,8 +24,9 @@
     <p:sldId id="367" r:id="rId15"/>
     <p:sldId id="368" r:id="rId16"/>
     <p:sldId id="371" r:id="rId17"/>
-    <p:sldId id="369" r:id="rId18"/>
-    <p:sldId id="370" r:id="rId19"/>
+    <p:sldId id="374" r:id="rId18"/>
+    <p:sldId id="369" r:id="rId19"/>
+    <p:sldId id="370" r:id="rId20"/>
   </p:sldIdLst>
   <p:sldSz cx="12192000" cy="6858000"/>
   <p:notesSz cx="6858000" cy="9144000"/>
@@ -217,7 +218,7 @@
           <a:p>
             <a:fld id="{80C38B47-C3B7-8443-A58D-8B22D7D22AE0}" type="datetimeFigureOut">
               <a:rPr lang="en-US" smtClean="0"/>
-              <a:t>3/1/2024</a:t>
+              <a:t>3/28/2024</a:t>
             </a:fld>
             <a:endParaRPr lang="en-US"/>
           </a:p>
@@ -647,7 +648,7 @@
           <a:p>
             <a:fld id="{7A4E0488-0F40-9645-8EBB-4836F989A1A3}" type="datetimeFigureOut">
               <a:rPr lang="en-US" smtClean="0"/>
-              <a:t>3/1/2024</a:t>
+              <a:t>3/28/2024</a:t>
             </a:fld>
             <a:endParaRPr lang="en-US"/>
           </a:p>
@@ -858,7 +859,7 @@
           <a:p>
             <a:fld id="{7A4E0488-0F40-9645-8EBB-4836F989A1A3}" type="datetimeFigureOut">
               <a:rPr lang="en-US" smtClean="0"/>
-              <a:t>3/1/2024</a:t>
+              <a:t>3/28/2024</a:t>
             </a:fld>
             <a:endParaRPr lang="en-US"/>
           </a:p>
@@ -1103,7 +1104,7 @@
           <a:p>
             <a:fld id="{7A4E0488-0F40-9645-8EBB-4836F989A1A3}" type="datetimeFigureOut">
               <a:rPr lang="en-US" smtClean="0"/>
-              <a:t>3/1/2024</a:t>
+              <a:t>3/28/2024</a:t>
             </a:fld>
             <a:endParaRPr lang="en-US"/>
           </a:p>
@@ -1385,7 +1386,7 @@
           <a:p>
             <a:fld id="{7A4E0488-0F40-9645-8EBB-4836F989A1A3}" type="datetimeFigureOut">
               <a:rPr lang="en-US" smtClean="0"/>
-              <a:t>3/1/2024</a:t>
+              <a:t>3/28/2024</a:t>
             </a:fld>
             <a:endParaRPr lang="en-US"/>
           </a:p>
@@ -1742,7 +1743,7 @@
           <a:p>
             <a:fld id="{7A4E0488-0F40-9645-8EBB-4836F989A1A3}" type="datetimeFigureOut">
               <a:rPr lang="en-US" smtClean="0"/>
-              <a:t>3/1/2024</a:t>
+              <a:t>3/28/2024</a:t>
             </a:fld>
             <a:endParaRPr lang="en-US"/>
           </a:p>
@@ -2157,7 +2158,7 @@
           <a:p>
             <a:fld id="{7A4E0488-0F40-9645-8EBB-4836F989A1A3}" type="datetimeFigureOut">
               <a:rPr lang="en-US" smtClean="0"/>
-              <a:t>3/1/2024</a:t>
+              <a:t>3/28/2024</a:t>
             </a:fld>
             <a:endParaRPr lang="en-US"/>
           </a:p>
@@ -2306,7 +2307,7 @@
           <a:p>
             <a:fld id="{7A4E0488-0F40-9645-8EBB-4836F989A1A3}" type="datetimeFigureOut">
               <a:rPr lang="en-US" smtClean="0"/>
-              <a:t>3/1/2024</a:t>
+              <a:t>3/28/2024</a:t>
             </a:fld>
             <a:endParaRPr lang="en-US"/>
           </a:p>
@@ -2419,7 +2420,7 @@
           <a:p>
             <a:fld id="{7A4E0488-0F40-9645-8EBB-4836F989A1A3}" type="datetimeFigureOut">
               <a:rPr lang="en-US" smtClean="0"/>
-              <a:t>3/1/2024</a:t>
+              <a:t>3/28/2024</a:t>
             </a:fld>
             <a:endParaRPr lang="en-US"/>
           </a:p>
@@ -2733,7 +2734,7 @@
           <a:p>
             <a:fld id="{7A4E0488-0F40-9645-8EBB-4836F989A1A3}" type="datetimeFigureOut">
               <a:rPr lang="en-US" smtClean="0"/>
-              <a:t>3/1/2024</a:t>
+              <a:t>3/28/2024</a:t>
             </a:fld>
             <a:endParaRPr lang="en-US"/>
           </a:p>
@@ -3024,7 +3025,7 @@
           <a:p>
             <a:fld id="{7A4E0488-0F40-9645-8EBB-4836F989A1A3}" type="datetimeFigureOut">
               <a:rPr lang="en-US" smtClean="0"/>
-              <a:t>3/1/2024</a:t>
+              <a:t>3/28/2024</a:t>
             </a:fld>
             <a:endParaRPr lang="en-US"/>
           </a:p>
@@ -4924,7 +4925,181 @@
           <a:p>
             <a:r>
               <a:rPr lang="en-US" altLang="zh-TW" b="1" dirty="0"/>
-              <a:t>Submission</a:t>
+              <a:t>Lab2-1(FIR) Submission</a:t>
+            </a:r>
+            <a:endParaRPr lang="zh-TW" altLang="en-US" b="1" dirty="0"/>
+          </a:p>
+        </p:txBody>
+      </p:sp>
+      <p:sp>
+        <p:nvSpPr>
+          <p:cNvPr id="3" name="內容版面配置區 2">
+            <a:extLst>
+              <a:ext uri="{FF2B5EF4-FFF2-40B4-BE49-F238E27FC236}">
+                <a16:creationId xmlns:a16="http://schemas.microsoft.com/office/drawing/2014/main" id="{B3CF14F2-C8BA-413B-A98F-D862B22808E2}"/>
+              </a:ext>
+            </a:extLst>
+          </p:cNvPr>
+          <p:cNvSpPr>
+            <a:spLocks noGrp="1"/>
+          </p:cNvSpPr>
+          <p:nvPr>
+            <p:ph idx="1"/>
+          </p:nvPr>
+        </p:nvSpPr>
+        <p:spPr/>
+        <p:txBody>
+          <a:bodyPr>
+            <a:normAutofit/>
+          </a:bodyPr>
+          <a:lstStyle/>
+          <a:p>
+            <a:pPr fontAlgn="base"/>
+            <a:r>
+              <a:rPr lang="en-US" altLang="zh-TW" b="1" dirty="0"/>
+              <a:t>Please submit the following files to {NTHU </a:t>
+            </a:r>
+            <a:r>
+              <a:rPr lang="en-US" altLang="zh-TW" b="1" dirty="0" err="1"/>
+              <a:t>eeclass</a:t>
+            </a:r>
+            <a:r>
+              <a:rPr lang="en-US" altLang="zh-TW" b="1" dirty="0"/>
+              <a:t> / NTU COOL / NYCU E3} </a:t>
+            </a:r>
+          </a:p>
+          <a:p>
+            <a:pPr lvl="1" fontAlgn="base"/>
+            <a:r>
+              <a:rPr lang="en-US" altLang="zh-TW" b="1" dirty="0"/>
+              <a:t>You only need to submit the screenshot of </a:t>
+            </a:r>
+            <a:r>
+              <a:rPr lang="en-US" altLang="zh-TW" b="1" dirty="0" err="1"/>
+              <a:t>Questasim</a:t>
+            </a:r>
+            <a:r>
+              <a:rPr lang="en-US" altLang="zh-TW" b="1" dirty="0"/>
+              <a:t> result of Lab2-1 (FIR)</a:t>
+            </a:r>
+          </a:p>
+          <a:p>
+            <a:pPr lvl="1" fontAlgn="base"/>
+            <a:r>
+              <a:rPr lang="en-US" altLang="zh-TW" b="1" dirty="0"/>
+              <a:t>(This lab is only for getting familiar with catapult)</a:t>
+            </a:r>
+          </a:p>
+        </p:txBody>
+      </p:sp>
+      <p:sp>
+        <p:nvSpPr>
+          <p:cNvPr id="4" name="矩形 3">
+            <a:extLst>
+              <a:ext uri="{FF2B5EF4-FFF2-40B4-BE49-F238E27FC236}">
+                <a16:creationId xmlns:a16="http://schemas.microsoft.com/office/drawing/2014/main" id="{311FAE7D-9F0B-4DDF-BDE6-67DFD077B3B5}"/>
+              </a:ext>
+            </a:extLst>
+          </p:cNvPr>
+          <p:cNvSpPr/>
+          <p:nvPr/>
+        </p:nvSpPr>
+        <p:spPr>
+          <a:xfrm>
+            <a:off x="838199" y="5798856"/>
+            <a:ext cx="10889203" cy="369332"/>
+          </a:xfrm>
+          <a:prstGeom prst="rect">
+            <a:avLst/>
+          </a:prstGeom>
+        </p:spPr>
+        <p:txBody>
+          <a:bodyPr wrap="square">
+            <a:spAutoFit/>
+          </a:bodyPr>
+          <a:lstStyle/>
+          <a:p>
+            <a:r>
+              <a:rPr lang="en-US" altLang="zh-TW" b="1" dirty="0">
+                <a:solidFill>
+                  <a:srgbClr val="FF0000"/>
+                </a:solidFill>
+              </a:rPr>
+              <a:t>Note: Since the authorization of these lab content, don’t upload the file which is not mentioned above to </a:t>
+            </a:r>
+            <a:r>
+              <a:rPr lang="en-US" altLang="zh-TW" b="1" dirty="0" err="1">
+                <a:solidFill>
+                  <a:srgbClr val="FF0000"/>
+                </a:solidFill>
+              </a:rPr>
+              <a:t>Github</a:t>
+            </a:r>
+            <a:r>
+              <a:rPr lang="en-US" altLang="zh-TW" b="1" dirty="0">
+                <a:solidFill>
+                  <a:srgbClr val="FF0000"/>
+                </a:solidFill>
+              </a:rPr>
+              <a:t>. </a:t>
+            </a:r>
+          </a:p>
+        </p:txBody>
+      </p:sp>
+    </p:spTree>
+    <p:extLst>
+      <p:ext uri="{BB962C8B-B14F-4D97-AF65-F5344CB8AC3E}">
+        <p14:creationId xmlns:p14="http://schemas.microsoft.com/office/powerpoint/2010/main" val="2977671164"/>
+      </p:ext>
+    </p:extLst>
+  </p:cSld>
+  <p:clrMapOvr>
+    <a:masterClrMapping/>
+  </p:clrMapOvr>
+</p:sld>
+</file>
+
+<file path=ppt/slides/slide18.xml><?xml version="1.0" encoding="utf-8"?>
+<p:sld xmlns:a="http://schemas.openxmlformats.org/drawingml/2006/main" xmlns:r="http://schemas.openxmlformats.org/officeDocument/2006/relationships" xmlns:p="http://schemas.openxmlformats.org/presentationml/2006/main">
+  <p:cSld>
+    <p:spTree>
+      <p:nvGrpSpPr>
+        <p:cNvPr id="1" name=""/>
+        <p:cNvGrpSpPr/>
+        <p:nvPr/>
+      </p:nvGrpSpPr>
+      <p:grpSpPr>
+        <a:xfrm>
+          <a:off x="0" y="0"/>
+          <a:ext cx="0" cy="0"/>
+          <a:chOff x="0" y="0"/>
+          <a:chExt cx="0" cy="0"/>
+        </a:xfrm>
+      </p:grpSpPr>
+      <p:sp>
+        <p:nvSpPr>
+          <p:cNvPr id="2" name="標題 1">
+            <a:extLst>
+              <a:ext uri="{FF2B5EF4-FFF2-40B4-BE49-F238E27FC236}">
+                <a16:creationId xmlns:a16="http://schemas.microsoft.com/office/drawing/2014/main" id="{5E7FBFE7-8D58-48BD-AEA9-49176E8DAC8E}"/>
+              </a:ext>
+            </a:extLst>
+          </p:cNvPr>
+          <p:cNvSpPr>
+            <a:spLocks noGrp="1"/>
+          </p:cNvSpPr>
+          <p:nvPr>
+            <p:ph type="title"/>
+          </p:nvPr>
+        </p:nvSpPr>
+        <p:spPr/>
+        <p:txBody>
+          <a:bodyPr/>
+          <a:lstStyle/>
+          <a:p>
+            <a:r>
+              <a:rPr lang="en-US" altLang="zh-TW" b="1" dirty="0"/>
+              <a:t>Lab2-2 Submission</a:t>
             </a:r>
             <a:endParaRPr lang="zh-TW" altLang="en-US" b="1" dirty="0"/>
           </a:p>
@@ -5116,8 +5291,8 @@
         </p:nvSpPr>
         <p:spPr>
           <a:xfrm>
-            <a:off x="838200" y="5798856"/>
-            <a:ext cx="10515600" cy="369332"/>
+            <a:off x="838200" y="5896510"/>
+            <a:ext cx="10889202" cy="369332"/>
           </a:xfrm>
           <a:prstGeom prst="rect">
             <a:avLst/>
@@ -5135,7 +5310,23 @@
                   <a:srgbClr val="FF0000"/>
                 </a:solidFill>
               </a:rPr>
-              <a:t>Note: Since the authorization of these lab content, don’t upload the file which is not mentioned above. </a:t>
+              <a:t>Note: Since the authorization of these lab content, don’t upload the file which is not mentioned above to </a:t>
+            </a:r>
+            <a:r>
+              <a:rPr lang="en-US" altLang="zh-TW" b="1" dirty="0" err="1">
+                <a:solidFill>
+                  <a:srgbClr val="FF0000"/>
+                </a:solidFill>
+              </a:rPr>
+              <a:t>Github</a:t>
+            </a:r>
+            <a:r>
+              <a:rPr lang="en-US" altLang="zh-TW" b="1" dirty="0">
+                <a:solidFill>
+                  <a:srgbClr val="FF0000"/>
+                </a:solidFill>
+              </a:rPr>
+              <a:t>. </a:t>
             </a:r>
           </a:p>
         </p:txBody>
@@ -5153,7 +5344,7 @@
 </p:sld>
 </file>
 
-<file path=ppt/slides/slide18.xml><?xml version="1.0" encoding="utf-8"?>
+<file path=ppt/slides/slide19.xml><?xml version="1.0" encoding="utf-8"?>
 <p:sld xmlns:a="http://schemas.openxmlformats.org/drawingml/2006/main" xmlns:r="http://schemas.openxmlformats.org/officeDocument/2006/relationships" xmlns:p="http://schemas.openxmlformats.org/presentationml/2006/main">
   <p:cSld>
     <p:spTree>
@@ -5606,7 +5797,7 @@
           <a:p>
             <a:r>
               <a:rPr lang="en-US" altLang="zh-TW" b="1" dirty="0"/>
-              <a:t>In this lab, we will provide the example code of lab1_fir and part of Lab2_edgedetect_fisc .</a:t>
+              <a:t>In this lab, we will provide the example code of lab1_fir and part of Lab2_edgedetect_fsic .</a:t>
             </a:r>
           </a:p>
           <a:p>
@@ -5618,7 +5809,7 @@
           <a:p>
             <a:r>
               <a:rPr lang="en-US" altLang="zh-TW" b="1" dirty="0"/>
-              <a:t>Lab2_edgedetect_fisc needs rewrite the code to meet the spec.</a:t>
+              <a:t>Lab2_edgedetect_fsic needs rewrite the code to meet the spec.</a:t>
             </a:r>
           </a:p>
           <a:p>
@@ -5806,7 +5997,7 @@
           <a:p>
             <a:r>
               <a:rPr lang="en-US" altLang="zh-TW" dirty="0"/>
-              <a:t>01_edgedetect block design</a:t>
+              <a:t>02_edgedetect block design</a:t>
             </a:r>
             <a:endParaRPr lang="zh-TW" altLang="en-US" dirty="0"/>
           </a:p>
@@ -5902,7 +6093,7 @@
           <a:p>
             <a:r>
               <a:rPr lang="en-US" altLang="zh-TW" dirty="0"/>
-              <a:t>01_edgedetect</a:t>
+              <a:t>02_edgedetect</a:t>
             </a:r>
             <a:endParaRPr lang="zh-TW" altLang="en-US" dirty="0"/>
           </a:p>
